--- a/Documentation/Poster.pptx
+++ b/Documentation/Poster.pptx
@@ -240,7 +240,7 @@
               <a:rPr lang="en-US" smtClean="0">
                 <a:latin typeface="Verdana Regular" charset="0"/>
               </a:rPr>
-              <a:t>12/1/2019</a:t>
+              <a:t>12/2/2019</a:t>
             </a:fld>
             <a:endParaRPr lang="en-US" dirty="0">
               <a:latin typeface="Verdana Regular" charset="0"/>
@@ -418,7 +418,7 @@
             <a:fld id="{9CF59EBC-EC05-6B4D-B166-DDFA6A1EDCB6}" type="datetimeFigureOut">
               <a:rPr lang="en-US" smtClean="0"/>
               <a:pPr/>
-              <a:t>12/1/2019</a:t>
+              <a:t>12/2/2019</a:t>
             </a:fld>
             <a:endParaRPr lang="en-US" dirty="0"/>
           </a:p>
@@ -688,6 +688,91 @@
     </a:lvl9pPr>
   </p:notesStyle>
 </p:notesMaster>
+</file>
+
+<file path=ppt/notesSlides/notesSlide1.xml><?xml version="1.0" encoding="utf-8"?>
+<p:notes xmlns:a="http://schemas.openxmlformats.org/drawingml/2006/main" xmlns:r="http://schemas.openxmlformats.org/officeDocument/2006/relationships" xmlns:p="http://schemas.openxmlformats.org/presentationml/2006/main">
+  <p:cSld>
+    <p:spTree>
+      <p:nvGrpSpPr>
+        <p:cNvPr id="1" name=""/>
+        <p:cNvGrpSpPr/>
+        <p:nvPr/>
+      </p:nvGrpSpPr>
+      <p:grpSpPr>
+        <a:xfrm>
+          <a:off x="0" y="0"/>
+          <a:ext cx="0" cy="0"/>
+          <a:chOff x="0" y="0"/>
+          <a:chExt cx="0" cy="0"/>
+        </a:xfrm>
+      </p:grpSpPr>
+      <p:sp>
+        <p:nvSpPr>
+          <p:cNvPr id="2" name="Slide Image Placeholder 1"/>
+          <p:cNvSpPr>
+            <a:spLocks noGrp="1" noRot="1" noChangeAspect="1"/>
+          </p:cNvSpPr>
+          <p:nvPr>
+            <p:ph type="sldImg"/>
+          </p:nvPr>
+        </p:nvSpPr>
+        <p:spPr/>
+      </p:sp>
+      <p:sp>
+        <p:nvSpPr>
+          <p:cNvPr id="3" name="Notes Placeholder 2"/>
+          <p:cNvSpPr>
+            <a:spLocks noGrp="1"/>
+          </p:cNvSpPr>
+          <p:nvPr>
+            <p:ph type="body" idx="1"/>
+          </p:nvPr>
+        </p:nvSpPr>
+        <p:spPr/>
+        <p:txBody>
+          <a:bodyPr/>
+          <a:lstStyle/>
+          <a:p>
+            <a:endParaRPr lang="en-US" dirty="0"/>
+          </a:p>
+        </p:txBody>
+      </p:sp>
+      <p:sp>
+        <p:nvSpPr>
+          <p:cNvPr id="4" name="Slide Number Placeholder 3"/>
+          <p:cNvSpPr>
+            <a:spLocks noGrp="1"/>
+          </p:cNvSpPr>
+          <p:nvPr>
+            <p:ph type="sldNum" sz="quarter" idx="5"/>
+          </p:nvPr>
+        </p:nvSpPr>
+        <p:spPr/>
+        <p:txBody>
+          <a:bodyPr/>
+          <a:lstStyle/>
+          <a:p>
+            <a:fld id="{DD9D7D82-3AAB-FE4F-A8B8-55362074E59C}" type="slidenum">
+              <a:rPr lang="en-US" smtClean="0"/>
+              <a:pPr/>
+              <a:t>1</a:t>
+            </a:fld>
+            <a:endParaRPr lang="en-US" dirty="0"/>
+          </a:p>
+        </p:txBody>
+      </p:sp>
+    </p:spTree>
+    <p:extLst>
+      <p:ext uri="{BB962C8B-B14F-4D97-AF65-F5344CB8AC3E}">
+        <p14:creationId xmlns:p14="http://schemas.microsoft.com/office/powerpoint/2010/main" val="1415038912"/>
+      </p:ext>
+    </p:extLst>
+  </p:cSld>
+  <p:clrMapOvr>
+    <a:masterClrMapping/>
+  </p:clrMapOvr>
+</p:notes>
 </file>
 
 <file path=ppt/slideLayouts/slideLayout1.xml><?xml version="1.0" encoding="utf-8"?>
@@ -1531,42 +1616,89 @@
           <a:chExt cx="0" cy="0"/>
         </a:xfrm>
       </p:grpSpPr>
-      <p:sp>
-        <p:nvSpPr>
-          <p:cNvPr id="2" name="Picture Placeholder 1"/>
-          <p:cNvSpPr>
-            <a:spLocks noGrp="1"/>
-          </p:cNvSpPr>
+      <p:pic>
+        <p:nvPicPr>
+          <p:cNvPr id="18" name="Picture Placeholder 17">
+            <a:extLst>
+              <a:ext uri="{FF2B5EF4-FFF2-40B4-BE49-F238E27FC236}">
+                <a16:creationId xmlns:a16="http://schemas.microsoft.com/office/drawing/2014/main" id="{2B94CB35-FE0B-4AAF-9787-90E832039432}"/>
+              </a:ext>
+            </a:extLst>
+          </p:cNvPr>
+          <p:cNvPicPr>
+            <a:picLocks noGrp="1" noChangeAspect="1"/>
+          </p:cNvPicPr>
           <p:nvPr>
             <p:ph type="pic" sz="quarter" idx="10"/>
           </p:nvPr>
-        </p:nvSpPr>
-        <p:spPr/>
-      </p:sp>
-      <p:sp>
-        <p:nvSpPr>
-          <p:cNvPr id="3" name="Picture Placeholder 2"/>
-          <p:cNvSpPr>
-            <a:spLocks noGrp="1"/>
-          </p:cNvSpPr>
+        </p:nvPicPr>
+        <p:blipFill>
+          <a:blip r:embed="rId3"/>
+          <a:srcRect/>
+          <a:stretch/>
+        </p:blipFill>
+        <p:spPr>
+          <a:xfrm>
+            <a:off x="2983971" y="8918575"/>
+            <a:ext cx="17277821" cy="18495963"/>
+          </a:xfrm>
+        </p:spPr>
+      </p:pic>
+      <p:pic>
+        <p:nvPicPr>
+          <p:cNvPr id="16" name="Picture Placeholder 15" descr="A screenshot of a cell phone&#10;&#10;Description automatically generated">
+            <a:extLst>
+              <a:ext uri="{FF2B5EF4-FFF2-40B4-BE49-F238E27FC236}">
+                <a16:creationId xmlns:a16="http://schemas.microsoft.com/office/drawing/2014/main" id="{30067219-4AFF-4739-87BE-BC1ABA610624}"/>
+              </a:ext>
+            </a:extLst>
+          </p:cNvPr>
+          <p:cNvPicPr>
+            <a:picLocks noGrp="1" noChangeAspect="1"/>
+          </p:cNvPicPr>
           <p:nvPr>
             <p:ph type="pic" sz="quarter" idx="11"/>
           </p:nvPr>
-        </p:nvSpPr>
-        <p:spPr/>
-      </p:sp>
-      <p:sp>
-        <p:nvSpPr>
-          <p:cNvPr id="4" name="Picture Placeholder 3"/>
-          <p:cNvSpPr>
-            <a:spLocks noGrp="1"/>
-          </p:cNvSpPr>
+        </p:nvPicPr>
+        <p:blipFill>
+          <a:blip r:embed="rId4"/>
+          <a:srcRect l="66" r="66"/>
+          <a:stretch>
+            <a:fillRect/>
+          </a:stretch>
+        </p:blipFill>
+        <p:spPr>
+          <a:xfrm>
+            <a:off x="22429930" y="19503474"/>
+            <a:ext cx="9569335" cy="11543709"/>
+          </a:xfrm>
+        </p:spPr>
+      </p:pic>
+      <p:pic>
+        <p:nvPicPr>
+          <p:cNvPr id="14" name="Picture Placeholder 13" descr="A close up of a necklace&#10;&#10;Description automatically generated">
+            <a:extLst>
+              <a:ext uri="{FF2B5EF4-FFF2-40B4-BE49-F238E27FC236}">
+                <a16:creationId xmlns:a16="http://schemas.microsoft.com/office/drawing/2014/main" id="{E9D1BA2C-0A7B-4E24-B3F7-63B381600750}"/>
+              </a:ext>
+            </a:extLst>
+          </p:cNvPr>
+          <p:cNvPicPr>
+            <a:picLocks noGrp="1" noChangeAspect="1"/>
+          </p:cNvPicPr>
           <p:nvPr>
             <p:ph type="pic" sz="quarter" idx="12"/>
           </p:nvPr>
-        </p:nvSpPr>
+        </p:nvPicPr>
+        <p:blipFill>
+          <a:blip r:embed="rId5"/>
+          <a:srcRect t="1972" b="1972"/>
+          <a:stretch>
+            <a:fillRect/>
+          </a:stretch>
+        </p:blipFill>
         <p:spPr/>
-      </p:sp>
+      </p:pic>
       <p:sp>
         <p:nvSpPr>
           <p:cNvPr id="5" name="Text Placeholder 16"/>
@@ -1577,7 +1709,7 @@
         </p:nvSpPr>
         <p:spPr>
           <a:xfrm>
-            <a:off x="32508274" y="20172137"/>
+            <a:off x="32508274" y="19503474"/>
             <a:ext cx="9418320" cy="677108"/>
           </a:xfrm>
           <a:prstGeom prst="rect">
@@ -1762,7 +1894,7 @@
                 <a:ea typeface="Verdana Regular" charset="0"/>
                 <a:cs typeface="Verdana Regular" charset="0"/>
               </a:rPr>
-              <a:t>Title: lorem ipsum</a:t>
+              <a:t>gcrawler features:</a:t>
             </a:r>
           </a:p>
         </p:txBody>
@@ -1777,8 +1909,8 @@
         </p:nvSpPr>
         <p:spPr>
           <a:xfrm>
-            <a:off x="32508274" y="21138585"/>
-            <a:ext cx="9418320" cy="10054034"/>
+            <a:off x="32508274" y="20342285"/>
+            <a:ext cx="9418320" cy="10455491"/>
           </a:xfrm>
           <a:prstGeom prst="rect">
             <a:avLst/>
@@ -1963,20 +2095,12 @@
               </a:spcAft>
             </a:pPr>
             <a:r>
-              <a:rPr lang="en-US" dirty="0">
+              <a:rPr lang="en-US" b="1" dirty="0">
                 <a:latin typeface="Verdana Regular" charset="0"/>
                 <a:ea typeface="Verdana Regular" charset="0"/>
                 <a:cs typeface="Verdana Regular" charset="0"/>
               </a:rPr>
-              <a:t>Bullet. </a:t>
-            </a:r>
-            <a:r>
-              <a:rPr lang="en-US" dirty="0" err="1">
-                <a:latin typeface="Verdana Regular" charset="0"/>
-                <a:ea typeface="Verdana Regular" charset="0"/>
-                <a:cs typeface="Verdana Regular" charset="0"/>
-              </a:rPr>
-              <a:t>lum</a:t>
+              <a:t>Intuitive: </a:t>
             </a:r>
             <a:r>
               <a:rPr lang="en-US" dirty="0">
@@ -1984,15 +2108,15 @@
                 <a:ea typeface="Verdana Regular" charset="0"/>
                 <a:cs typeface="Verdana Regular" charset="0"/>
               </a:rPr>
-              <a:t> </a:t>
+              <a:t>Complete a simple form to crawl any website. Supply a keyword to search for text on each page. GCrawler will halt when it finds the keyword. (</a:t>
             </a:r>
             <a:r>
-              <a:rPr lang="en-US" dirty="0" err="1">
+              <a:rPr lang="en-US" i="1" dirty="0">
                 <a:latin typeface="Verdana Regular" charset="0"/>
                 <a:ea typeface="Verdana Regular" charset="0"/>
                 <a:cs typeface="Verdana Regular" charset="0"/>
               </a:rPr>
-              <a:t>exer</a:t>
+              <a:t>left</a:t>
             </a:r>
             <a:r>
               <a:rPr lang="en-US" dirty="0">
@@ -2000,295 +2124,7 @@
                 <a:ea typeface="Verdana Regular" charset="0"/>
                 <a:cs typeface="Verdana Regular" charset="0"/>
               </a:rPr>
-              <a:t> </a:t>
-            </a:r>
-            <a:r>
-              <a:rPr lang="en-US" dirty="0" err="1">
-                <a:latin typeface="Verdana Regular" charset="0"/>
-                <a:ea typeface="Verdana Regular" charset="0"/>
-                <a:cs typeface="Verdana Regular" charset="0"/>
-              </a:rPr>
-              <a:t>adipsustrud</a:t>
-            </a:r>
-            <a:r>
-              <a:rPr lang="en-US" dirty="0">
-                <a:latin typeface="Verdana Regular" charset="0"/>
-                <a:ea typeface="Verdana Regular" charset="0"/>
-                <a:cs typeface="Verdana Regular" charset="0"/>
-              </a:rPr>
-              <a:t> </a:t>
-            </a:r>
-            <a:r>
-              <a:rPr lang="en-US" dirty="0" err="1">
-                <a:latin typeface="Verdana Regular" charset="0"/>
-                <a:ea typeface="Verdana Regular" charset="0"/>
-                <a:cs typeface="Verdana Regular" charset="0"/>
-              </a:rPr>
-              <a:t>doloree</a:t>
-            </a:r>
-            <a:r>
-              <a:rPr lang="en-US" dirty="0">
-                <a:latin typeface="Verdana Regular" charset="0"/>
-                <a:ea typeface="Verdana Regular" charset="0"/>
-                <a:cs typeface="Verdana Regular" charset="0"/>
-              </a:rPr>
-              <a:t> </a:t>
-            </a:r>
-            <a:r>
-              <a:rPr lang="en-US" dirty="0" err="1">
-                <a:latin typeface="Verdana Regular" charset="0"/>
-                <a:ea typeface="Verdana Regular" charset="0"/>
-                <a:cs typeface="Verdana Regular" charset="0"/>
-              </a:rPr>
-              <a:t>tuerat</a:t>
-            </a:r>
-            <a:r>
-              <a:rPr lang="en-US" dirty="0">
-                <a:latin typeface="Verdana Regular" charset="0"/>
-                <a:ea typeface="Verdana Regular" charset="0"/>
-                <a:cs typeface="Verdana Regular" charset="0"/>
-              </a:rPr>
-              <a:t> </a:t>
-            </a:r>
-            <a:r>
-              <a:rPr lang="en-US" dirty="0" err="1">
-                <a:latin typeface="Verdana Regular" charset="0"/>
-                <a:ea typeface="Verdana Regular" charset="0"/>
-                <a:cs typeface="Verdana Regular" charset="0"/>
-              </a:rPr>
-              <a:t>lorpera</a:t>
-            </a:r>
-            <a:r>
-              <a:rPr lang="en-US" dirty="0">
-                <a:latin typeface="Verdana Regular" charset="0"/>
-                <a:ea typeface="Verdana Regular" charset="0"/>
-                <a:cs typeface="Verdana Regular" charset="0"/>
-              </a:rPr>
-              <a:t> </a:t>
-            </a:r>
-            <a:r>
-              <a:rPr lang="en-US" dirty="0" err="1">
-                <a:latin typeface="Verdana Regular" charset="0"/>
-                <a:ea typeface="Verdana Regular" charset="0"/>
-                <a:cs typeface="Verdana Regular" charset="0"/>
-              </a:rPr>
-              <a:t>esenibh</a:t>
-            </a:r>
-            <a:r>
-              <a:rPr lang="en-US" dirty="0">
-                <a:latin typeface="Verdana Regular" charset="0"/>
-                <a:ea typeface="Verdana Regular" charset="0"/>
-                <a:cs typeface="Verdana Regular" charset="0"/>
-              </a:rPr>
-              <a:t> </a:t>
-            </a:r>
-            <a:r>
-              <a:rPr lang="en-US" dirty="0" err="1">
-                <a:latin typeface="Verdana Regular" charset="0"/>
-                <a:ea typeface="Verdana Regular" charset="0"/>
-                <a:cs typeface="Verdana Regular" charset="0"/>
-              </a:rPr>
-              <a:t>eu</a:t>
-            </a:r>
-            <a:r>
-              <a:rPr lang="en-US" dirty="0">
-                <a:latin typeface="Verdana Regular" charset="0"/>
-                <a:ea typeface="Verdana Regular" charset="0"/>
-                <a:cs typeface="Verdana Regular" charset="0"/>
-              </a:rPr>
-              <a:t> </a:t>
-            </a:r>
-            <a:r>
-              <a:rPr lang="en-US" dirty="0" err="1">
-                <a:latin typeface="Verdana Regular" charset="0"/>
-                <a:ea typeface="Verdana Regular" charset="0"/>
-                <a:cs typeface="Verdana Regular" charset="0"/>
-              </a:rPr>
-              <a:t>faccum</a:t>
-            </a:r>
-            <a:r>
-              <a:rPr lang="en-US" dirty="0">
-                <a:latin typeface="Verdana Regular" charset="0"/>
-                <a:ea typeface="Verdana Regular" charset="0"/>
-                <a:cs typeface="Verdana Regular" charset="0"/>
-              </a:rPr>
-              <a:t> </a:t>
-            </a:r>
-            <a:r>
-              <a:rPr lang="en-US" dirty="0" err="1">
-                <a:latin typeface="Verdana Regular" charset="0"/>
-                <a:ea typeface="Verdana Regular" charset="0"/>
-                <a:cs typeface="Verdana Regular" charset="0"/>
-              </a:rPr>
-              <a:t>eum</a:t>
-            </a:r>
-            <a:r>
-              <a:rPr lang="en-US" dirty="0">
-                <a:latin typeface="Verdana Regular" charset="0"/>
-                <a:ea typeface="Verdana Regular" charset="0"/>
-                <a:cs typeface="Verdana Regular" charset="0"/>
-              </a:rPr>
-              <a:t> </a:t>
-            </a:r>
-            <a:r>
-              <a:rPr lang="en-US" dirty="0" err="1">
-                <a:latin typeface="Verdana Regular" charset="0"/>
-                <a:ea typeface="Verdana Regular" charset="0"/>
-                <a:cs typeface="Verdana Regular" charset="0"/>
-              </a:rPr>
-              <a:t>quamcommy</a:t>
-            </a:r>
-            <a:r>
-              <a:rPr lang="en-US" dirty="0">
-                <a:latin typeface="Verdana Regular" charset="0"/>
-                <a:ea typeface="Verdana Regular" charset="0"/>
-                <a:cs typeface="Verdana Regular" charset="0"/>
-              </a:rPr>
-              <a:t> nit </a:t>
-            </a:r>
-            <a:r>
-              <a:rPr lang="en-US" dirty="0" err="1">
-                <a:latin typeface="Verdana Regular" charset="0"/>
-                <a:ea typeface="Verdana Regular" charset="0"/>
-                <a:cs typeface="Verdana Regular" charset="0"/>
-              </a:rPr>
-              <a:t>lorerillut</a:t>
-            </a:r>
-            <a:r>
-              <a:rPr lang="en-US" dirty="0">
-                <a:latin typeface="Verdana Regular" charset="0"/>
-                <a:ea typeface="Verdana Regular" charset="0"/>
-                <a:cs typeface="Verdana Regular" charset="0"/>
-              </a:rPr>
-              <a:t> </a:t>
-            </a:r>
-            <a:r>
-              <a:rPr lang="en-US" dirty="0" err="1">
-                <a:latin typeface="Verdana Regular" charset="0"/>
-                <a:ea typeface="Verdana Regular" charset="0"/>
-                <a:cs typeface="Verdana Regular" charset="0"/>
-              </a:rPr>
-              <a:t>ullam</a:t>
-            </a:r>
-            <a:r>
-              <a:rPr lang="en-US" dirty="0">
-                <a:latin typeface="Verdana Regular" charset="0"/>
-                <a:ea typeface="Verdana Regular" charset="0"/>
-                <a:cs typeface="Verdana Regular" charset="0"/>
-              </a:rPr>
-              <a:t> </a:t>
-            </a:r>
-            <a:r>
-              <a:rPr lang="en-US" dirty="0" err="1">
-                <a:latin typeface="Verdana Regular" charset="0"/>
-                <a:ea typeface="Verdana Regular" charset="0"/>
-                <a:cs typeface="Verdana Regular" charset="0"/>
-              </a:rPr>
-              <a:t>quat</a:t>
-            </a:r>
-            <a:r>
-              <a:rPr lang="en-US" dirty="0">
-                <a:latin typeface="Verdana Regular" charset="0"/>
-                <a:ea typeface="Verdana Regular" charset="0"/>
-                <a:cs typeface="Verdana Regular" charset="0"/>
-              </a:rPr>
-              <a:t> lore </a:t>
-            </a:r>
-            <a:r>
-              <a:rPr lang="en-US" dirty="0" err="1">
-                <a:latin typeface="Verdana Regular" charset="0"/>
-                <a:ea typeface="Verdana Regular" charset="0"/>
-                <a:cs typeface="Verdana Regular" charset="0"/>
-              </a:rPr>
-              <a:t>verostrud</a:t>
-            </a:r>
-            <a:r>
-              <a:rPr lang="en-US" dirty="0">
-                <a:latin typeface="Verdana Regular" charset="0"/>
-                <a:ea typeface="Verdana Regular" charset="0"/>
-                <a:cs typeface="Verdana Regular" charset="0"/>
-              </a:rPr>
-              <a:t> </a:t>
-            </a:r>
-            <a:r>
-              <a:rPr lang="en-US" dirty="0" err="1">
-                <a:latin typeface="Verdana Regular" charset="0"/>
-                <a:ea typeface="Verdana Regular" charset="0"/>
-                <a:cs typeface="Verdana Regular" charset="0"/>
-              </a:rPr>
-              <a:t>ming</a:t>
-            </a:r>
-            <a:r>
-              <a:rPr lang="en-US" dirty="0">
-                <a:latin typeface="Verdana Regular" charset="0"/>
-                <a:ea typeface="Verdana Regular" charset="0"/>
-                <a:cs typeface="Verdana Regular" charset="0"/>
-              </a:rPr>
-              <a:t> et, </a:t>
-            </a:r>
-            <a:r>
-              <a:rPr lang="en-US" dirty="0" err="1">
-                <a:latin typeface="Verdana Regular" charset="0"/>
-                <a:ea typeface="Verdana Regular" charset="0"/>
-                <a:cs typeface="Verdana Regular" charset="0"/>
-              </a:rPr>
-              <a:t>si</a:t>
-            </a:r>
-            <a:r>
-              <a:rPr lang="en-US" dirty="0">
-                <a:latin typeface="Verdana Regular" charset="0"/>
-                <a:ea typeface="Verdana Regular" charset="0"/>
-                <a:cs typeface="Verdana Regular" charset="0"/>
-              </a:rPr>
-              <a:t> tie </a:t>
-            </a:r>
-            <a:r>
-              <a:rPr lang="en-US" dirty="0" err="1">
-                <a:latin typeface="Verdana Regular" charset="0"/>
-                <a:ea typeface="Verdana Regular" charset="0"/>
-                <a:cs typeface="Verdana Regular" charset="0"/>
-              </a:rPr>
-              <a:t>faciliquisse</a:t>
-            </a:r>
-            <a:r>
-              <a:rPr lang="en-US" dirty="0">
-                <a:latin typeface="Verdana Regular" charset="0"/>
-                <a:ea typeface="Verdana Regular" charset="0"/>
-                <a:cs typeface="Verdana Regular" charset="0"/>
-              </a:rPr>
-              <a:t> </a:t>
-            </a:r>
-            <a:r>
-              <a:rPr lang="en-US" dirty="0" err="1">
-                <a:latin typeface="Verdana Regular" charset="0"/>
-                <a:ea typeface="Verdana Regular" charset="0"/>
-                <a:cs typeface="Verdana Regular" charset="0"/>
-              </a:rPr>
-              <a:t>modolortin</a:t>
-            </a:r>
-            <a:r>
-              <a:rPr lang="en-US" dirty="0">
-                <a:latin typeface="Verdana Regular" charset="0"/>
-                <a:ea typeface="Verdana Regular" charset="0"/>
-                <a:cs typeface="Verdana Regular" charset="0"/>
-              </a:rPr>
-              <a:t> </a:t>
-            </a:r>
-            <a:r>
-              <a:rPr lang="en-US" dirty="0" err="1">
-                <a:latin typeface="Verdana Regular" charset="0"/>
-                <a:ea typeface="Verdana Regular" charset="0"/>
-                <a:cs typeface="Verdana Regular" charset="0"/>
-              </a:rPr>
-              <a:t>volore</a:t>
-            </a:r>
-            <a:r>
-              <a:rPr lang="en-US" dirty="0">
-                <a:latin typeface="Verdana Regular" charset="0"/>
-                <a:ea typeface="Verdana Regular" charset="0"/>
-                <a:cs typeface="Verdana Regular" charset="0"/>
-              </a:rPr>
-              <a:t> </a:t>
+              <a:t>).</a:t>
             </a:r>
           </a:p>
           <a:p>
@@ -2298,12 +2134,12 @@
               </a:spcAft>
             </a:pPr>
             <a:r>
-              <a:rPr lang="en-US" dirty="0" err="1">
+              <a:rPr lang="en-US" b="1" dirty="0">
                 <a:latin typeface="Verdana Regular" charset="0"/>
                 <a:ea typeface="Verdana Regular" charset="0"/>
                 <a:cs typeface="Verdana Regular" charset="0"/>
               </a:rPr>
-              <a:t>Vel</a:t>
+              <a:t>Retentive:</a:t>
             </a:r>
             <a:r>
               <a:rPr lang="en-US" dirty="0">
@@ -2311,15 +2147,27 @@
                 <a:ea typeface="Verdana Regular" charset="0"/>
                 <a:cs typeface="Verdana Regular" charset="0"/>
               </a:rPr>
-              <a:t> et </a:t>
+              <a:t> GCrawler stores your sessions’ past searches on the History tab for easy re-use. </a:t>
             </a:r>
+            <a:endParaRPr lang="en-US" b="1" dirty="0">
+              <a:latin typeface="Verdana Regular" charset="0"/>
+              <a:ea typeface="Verdana Regular" charset="0"/>
+              <a:cs typeface="Verdana Regular" charset="0"/>
+            </a:endParaRPr>
+          </a:p>
+          <a:p>
+            <a:pPr>
+              <a:spcAft>
+                <a:spcPts val="2600"/>
+              </a:spcAft>
+            </a:pPr>
             <a:r>
-              <a:rPr lang="en-US" dirty="0" err="1">
+              <a:rPr lang="en-US" b="1" dirty="0">
                 <a:latin typeface="Verdana Regular" charset="0"/>
                 <a:ea typeface="Verdana Regular" charset="0"/>
                 <a:cs typeface="Verdana Regular" charset="0"/>
               </a:rPr>
-              <a:t>vel</a:t>
+              <a:t>Flexible: </a:t>
             </a:r>
             <a:r>
               <a:rPr lang="en-US" dirty="0">
@@ -2327,15 +2175,15 @@
                 <a:ea typeface="Verdana Regular" charset="0"/>
                 <a:cs typeface="Verdana Regular" charset="0"/>
               </a:rPr>
-              <a:t> </a:t>
+              <a:t>Choose from Depth First Search or Breadth First Search methods. Depth First Search will follow a random link on each page until the specified page limit (1-10) is reached. Breadth First Search will follow all links on each page until the specified depth limit (1-3) is reached. (</a:t>
             </a:r>
             <a:r>
-              <a:rPr lang="en-US" dirty="0" err="1">
+              <a:rPr lang="en-US" i="1" dirty="0">
                 <a:latin typeface="Verdana Regular" charset="0"/>
                 <a:ea typeface="Verdana Regular" charset="0"/>
                 <a:cs typeface="Verdana Regular" charset="0"/>
               </a:rPr>
-              <a:t>dionsenit</a:t>
+              <a:t>left</a:t>
             </a:r>
             <a:r>
               <a:rPr lang="en-US" dirty="0">
@@ -2343,215 +2191,7 @@
                 <a:ea typeface="Verdana Regular" charset="0"/>
                 <a:cs typeface="Verdana Regular" charset="0"/>
               </a:rPr>
-              <a:t> </a:t>
-            </a:r>
-            <a:r>
-              <a:rPr lang="en-US" dirty="0" err="1">
-                <a:latin typeface="Verdana Regular" charset="0"/>
-                <a:ea typeface="Verdana Regular" charset="0"/>
-                <a:cs typeface="Verdana Regular" charset="0"/>
-              </a:rPr>
-              <a:t>adit</a:t>
-            </a:r>
-            <a:r>
-              <a:rPr lang="en-US" dirty="0">
-                <a:latin typeface="Verdana Regular" charset="0"/>
-                <a:ea typeface="Verdana Regular" charset="0"/>
-                <a:cs typeface="Verdana Regular" charset="0"/>
-              </a:rPr>
-              <a:t>, </a:t>
-            </a:r>
-            <a:r>
-              <a:rPr lang="en-US" dirty="0" err="1">
-                <a:latin typeface="Verdana Regular" charset="0"/>
-                <a:ea typeface="Verdana Regular" charset="0"/>
-                <a:cs typeface="Verdana Regular" charset="0"/>
-              </a:rPr>
-              <a:t>consenim</a:t>
-            </a:r>
-            <a:r>
-              <a:rPr lang="en-US" dirty="0">
-                <a:latin typeface="Verdana Regular" charset="0"/>
-                <a:ea typeface="Verdana Regular" charset="0"/>
-                <a:cs typeface="Verdana Regular" charset="0"/>
-              </a:rPr>
-              <a:t> </a:t>
-            </a:r>
-            <a:r>
-              <a:rPr lang="en-US" dirty="0" err="1">
-                <a:latin typeface="Verdana Regular" charset="0"/>
-                <a:ea typeface="Verdana Regular" charset="0"/>
-                <a:cs typeface="Verdana Regular" charset="0"/>
-              </a:rPr>
-              <a:t>zzrillute</a:t>
-            </a:r>
-            <a:r>
-              <a:rPr lang="en-US" dirty="0">
-                <a:latin typeface="Verdana Regular" charset="0"/>
-                <a:ea typeface="Verdana Regular" charset="0"/>
-                <a:cs typeface="Verdana Regular" charset="0"/>
-              </a:rPr>
-              <a:t> el </a:t>
-            </a:r>
-            <a:r>
-              <a:rPr lang="en-US" dirty="0" err="1">
-                <a:latin typeface="Verdana Regular" charset="0"/>
-                <a:ea typeface="Verdana Regular" charset="0"/>
-                <a:cs typeface="Verdana Regular" charset="0"/>
-              </a:rPr>
-              <a:t>euguerostie</a:t>
-            </a:r>
-            <a:r>
-              <a:rPr lang="en-US" dirty="0">
-                <a:latin typeface="Verdana Regular" charset="0"/>
-                <a:ea typeface="Verdana Regular" charset="0"/>
-                <a:cs typeface="Verdana Regular" charset="0"/>
-              </a:rPr>
-              <a:t> </a:t>
-            </a:r>
-            <a:r>
-              <a:rPr lang="en-US" dirty="0" err="1">
-                <a:latin typeface="Verdana Regular" charset="0"/>
-                <a:ea typeface="Verdana Regular" charset="0"/>
-                <a:cs typeface="Verdana Regular" charset="0"/>
-              </a:rPr>
-              <a:t>faci</a:t>
-            </a:r>
-            <a:r>
-              <a:rPr lang="en-US" dirty="0">
-                <a:latin typeface="Verdana Regular" charset="0"/>
-                <a:ea typeface="Verdana Regular" charset="0"/>
-                <a:cs typeface="Verdana Regular" charset="0"/>
-              </a:rPr>
-              <a:t> </a:t>
-            </a:r>
-            <a:r>
-              <a:rPr lang="en-US" dirty="0" err="1">
-                <a:latin typeface="Verdana Regular" charset="0"/>
-                <a:ea typeface="Verdana Regular" charset="0"/>
-                <a:cs typeface="Verdana Regular" charset="0"/>
-              </a:rPr>
-              <a:t>bla</a:t>
-            </a:r>
-            <a:r>
-              <a:rPr lang="en-US" dirty="0">
-                <a:latin typeface="Verdana Regular" charset="0"/>
-                <a:ea typeface="Verdana Regular" charset="0"/>
-                <a:cs typeface="Verdana Regular" charset="0"/>
-              </a:rPr>
-              <a:t> </a:t>
-            </a:r>
-            <a:r>
-              <a:rPr lang="en-US" dirty="0" err="1">
-                <a:latin typeface="Verdana Regular" charset="0"/>
-                <a:ea typeface="Verdana Regular" charset="0"/>
-                <a:cs typeface="Verdana Regular" charset="0"/>
-              </a:rPr>
-              <a:t>conse</a:t>
-            </a:r>
-            <a:r>
-              <a:rPr lang="en-US" dirty="0">
-                <a:latin typeface="Verdana Regular" charset="0"/>
-                <a:ea typeface="Verdana Regular" charset="0"/>
-                <a:cs typeface="Verdana Regular" charset="0"/>
-              </a:rPr>
-              <a:t> minim </a:t>
-            </a:r>
-            <a:r>
-              <a:rPr lang="en-US" dirty="0" err="1">
-                <a:latin typeface="Verdana Regular" charset="0"/>
-                <a:ea typeface="Verdana Regular" charset="0"/>
-                <a:cs typeface="Verdana Regular" charset="0"/>
-              </a:rPr>
-              <a:t>zzriure</a:t>
-            </a:r>
-            <a:r>
-              <a:rPr lang="en-US" dirty="0">
-                <a:latin typeface="Verdana Regular" charset="0"/>
-                <a:ea typeface="Verdana Regular" charset="0"/>
-                <a:cs typeface="Verdana Regular" charset="0"/>
-              </a:rPr>
-              <a:t> </a:t>
-            </a:r>
-            <a:r>
-              <a:rPr lang="en-US" dirty="0" err="1">
-                <a:latin typeface="Verdana Regular" charset="0"/>
-                <a:ea typeface="Verdana Regular" charset="0"/>
-                <a:cs typeface="Verdana Regular" charset="0"/>
-              </a:rPr>
-              <a:t>tio</a:t>
-            </a:r>
-            <a:r>
-              <a:rPr lang="en-US" dirty="0">
-                <a:latin typeface="Verdana Regular" charset="0"/>
-                <a:ea typeface="Verdana Regular" charset="0"/>
-                <a:cs typeface="Verdana Regular" charset="0"/>
-              </a:rPr>
-              <a:t> </a:t>
-            </a:r>
-            <a:r>
-              <a:rPr lang="en-US" dirty="0" err="1">
-                <a:latin typeface="Verdana Regular" charset="0"/>
-                <a:ea typeface="Verdana Regular" charset="0"/>
-                <a:cs typeface="Verdana Regular" charset="0"/>
-              </a:rPr>
-              <a:t>dolore</a:t>
-            </a:r>
-            <a:r>
-              <a:rPr lang="en-US" dirty="0">
-                <a:latin typeface="Verdana Regular" charset="0"/>
-                <a:ea typeface="Verdana Regular" charset="0"/>
-                <a:cs typeface="Verdana Regular" charset="0"/>
-              </a:rPr>
-              <a:t> </a:t>
-            </a:r>
-            <a:r>
-              <a:rPr lang="en-US" dirty="0" err="1">
-                <a:latin typeface="Verdana Regular" charset="0"/>
-                <a:ea typeface="Verdana Regular" charset="0"/>
-                <a:cs typeface="Verdana Regular" charset="0"/>
-              </a:rPr>
-              <a:t>tet</a:t>
-            </a:r>
-            <a:r>
-              <a:rPr lang="en-US" dirty="0">
-                <a:latin typeface="Verdana Regular" charset="0"/>
-                <a:ea typeface="Verdana Regular" charset="0"/>
-                <a:cs typeface="Verdana Regular" charset="0"/>
-              </a:rPr>
-              <a:t>, </a:t>
-            </a:r>
-            <a:r>
-              <a:rPr lang="en-US" dirty="0" err="1">
-                <a:latin typeface="Verdana Regular" charset="0"/>
-                <a:ea typeface="Verdana Regular" charset="0"/>
-                <a:cs typeface="Verdana Regular" charset="0"/>
-              </a:rPr>
-              <a:t>volobor</a:t>
-            </a:r>
-            <a:r>
-              <a:rPr lang="en-US" dirty="0">
-                <a:latin typeface="Verdana Regular" charset="0"/>
-                <a:ea typeface="Verdana Regular" charset="0"/>
-                <a:cs typeface="Verdana Regular" charset="0"/>
-              </a:rPr>
-              <a:t> </a:t>
-            </a:r>
-            <a:r>
-              <a:rPr lang="en-US" dirty="0" err="1">
-                <a:latin typeface="Verdana Regular" charset="0"/>
-                <a:ea typeface="Verdana Regular" charset="0"/>
-                <a:cs typeface="Verdana Regular" charset="0"/>
-              </a:rPr>
-              <a:t>si</a:t>
-            </a:r>
-            <a:r>
-              <a:rPr lang="en-US" dirty="0">
-                <a:latin typeface="Verdana Regular" charset="0"/>
-                <a:ea typeface="Verdana Regular" charset="0"/>
-                <a:cs typeface="Verdana Regular" charset="0"/>
-              </a:rPr>
-              <a:t>.</a:t>
+              <a:t>)</a:t>
             </a:r>
           </a:p>
           <a:p>
@@ -2561,12 +2201,12 @@
               </a:spcAft>
             </a:pPr>
             <a:r>
-              <a:rPr lang="en-US" dirty="0" err="1">
+              <a:rPr lang="en-US" b="1" dirty="0">
                 <a:latin typeface="Verdana Regular" charset="0"/>
                 <a:ea typeface="Verdana Regular" charset="0"/>
                 <a:cs typeface="Verdana Regular" charset="0"/>
               </a:rPr>
-              <a:t>Velit</a:t>
+              <a:t>Informative: </a:t>
             </a:r>
             <a:r>
               <a:rPr lang="en-US" dirty="0">
@@ -2574,15 +2214,15 @@
                 <a:ea typeface="Verdana Regular" charset="0"/>
                 <a:cs typeface="Verdana Regular" charset="0"/>
               </a:rPr>
-              <a:t> </a:t>
+              <a:t>GCrawler’s color-coded results display the title of each page on the node. The URL can be seen by hovering over the node. A user can click the node to open the page. (</a:t>
             </a:r>
             <a:r>
-              <a:rPr lang="en-US" dirty="0" err="1">
+              <a:rPr lang="en-US" i="1" dirty="0">
                 <a:latin typeface="Verdana Regular" charset="0"/>
                 <a:ea typeface="Verdana Regular" charset="0"/>
                 <a:cs typeface="Verdana Regular" charset="0"/>
               </a:rPr>
-              <a:t>vendipit</a:t>
+              <a:t>above</a:t>
             </a:r>
             <a:r>
               <a:rPr lang="en-US" dirty="0">
@@ -2590,631 +2230,7 @@
                 <a:ea typeface="Verdana Regular" charset="0"/>
                 <a:cs typeface="Verdana Regular" charset="0"/>
               </a:rPr>
-              <a:t>, </a:t>
-            </a:r>
-            <a:r>
-              <a:rPr lang="en-US" dirty="0" err="1">
-                <a:latin typeface="Verdana Regular" charset="0"/>
-                <a:ea typeface="Verdana Regular" charset="0"/>
-                <a:cs typeface="Verdana Regular" charset="0"/>
-              </a:rPr>
-              <a:t>quat</a:t>
-            </a:r>
-            <a:r>
-              <a:rPr lang="en-US" dirty="0">
-                <a:latin typeface="Verdana Regular" charset="0"/>
-                <a:ea typeface="Verdana Regular" charset="0"/>
-                <a:cs typeface="Verdana Regular" charset="0"/>
-              </a:rPr>
-              <a:t> </a:t>
-            </a:r>
-            <a:r>
-              <a:rPr lang="en-US" dirty="0" err="1">
-                <a:latin typeface="Verdana Regular" charset="0"/>
-                <a:ea typeface="Verdana Regular" charset="0"/>
-                <a:cs typeface="Verdana Regular" charset="0"/>
-              </a:rPr>
-              <a:t>iustrud</a:t>
-            </a:r>
-            <a:r>
-              <a:rPr lang="en-US" dirty="0">
-                <a:latin typeface="Verdana Regular" charset="0"/>
-                <a:ea typeface="Verdana Regular" charset="0"/>
-                <a:cs typeface="Verdana Regular" charset="0"/>
-              </a:rPr>
-              <a:t> </a:t>
-            </a:r>
-            <a:r>
-              <a:rPr lang="en-US" dirty="0" err="1">
-                <a:latin typeface="Verdana Regular" charset="0"/>
-                <a:ea typeface="Verdana Regular" charset="0"/>
-                <a:cs typeface="Verdana Regular" charset="0"/>
-              </a:rPr>
-              <a:t>eraeseniat</a:t>
-            </a:r>
-            <a:r>
-              <a:rPr lang="en-US" dirty="0">
-                <a:latin typeface="Verdana Regular" charset="0"/>
-                <a:ea typeface="Verdana Regular" charset="0"/>
-                <a:cs typeface="Verdana Regular" charset="0"/>
-              </a:rPr>
-              <a:t> do </a:t>
-            </a:r>
-            <a:r>
-              <a:rPr lang="en-US" dirty="0" err="1">
-                <a:latin typeface="Verdana Regular" charset="0"/>
-                <a:ea typeface="Verdana Regular" charset="0"/>
-                <a:cs typeface="Verdana Regular" charset="0"/>
-              </a:rPr>
-              <a:t>conummod</a:t>
-            </a:r>
-            <a:r>
-              <a:rPr lang="en-US" dirty="0">
-                <a:latin typeface="Verdana Regular" charset="0"/>
-                <a:ea typeface="Verdana Regular" charset="0"/>
-                <a:cs typeface="Verdana Regular" charset="0"/>
-              </a:rPr>
-              <a:t> </a:t>
-            </a:r>
-            <a:r>
-              <a:rPr lang="en-US" dirty="0" err="1">
-                <a:latin typeface="Verdana Regular" charset="0"/>
-                <a:ea typeface="Verdana Regular" charset="0"/>
-                <a:cs typeface="Verdana Regular" charset="0"/>
-              </a:rPr>
-              <a:t>ea</a:t>
-            </a:r>
-            <a:r>
-              <a:rPr lang="en-US" dirty="0">
-                <a:latin typeface="Verdana Regular" charset="0"/>
-                <a:ea typeface="Verdana Regular" charset="0"/>
-                <a:cs typeface="Verdana Regular" charset="0"/>
-              </a:rPr>
-              <a:t> </a:t>
-            </a:r>
-            <a:r>
-              <a:rPr lang="en-US" dirty="0" err="1">
-                <a:latin typeface="Verdana Regular" charset="0"/>
-                <a:ea typeface="Verdana Regular" charset="0"/>
-                <a:cs typeface="Verdana Regular" charset="0"/>
-              </a:rPr>
-              <a:t>alisci</a:t>
-            </a:r>
-            <a:r>
-              <a:rPr lang="en-US" dirty="0">
-                <a:latin typeface="Verdana Regular" charset="0"/>
-                <a:ea typeface="Verdana Regular" charset="0"/>
-                <a:cs typeface="Verdana Regular" charset="0"/>
-              </a:rPr>
-              <a:t> tie </a:t>
-            </a:r>
-            <a:r>
-              <a:rPr lang="en-US" dirty="0" err="1">
-                <a:latin typeface="Verdana Regular" charset="0"/>
-                <a:ea typeface="Verdana Regular" charset="0"/>
-                <a:cs typeface="Verdana Regular" charset="0"/>
-              </a:rPr>
-              <a:t>vel</a:t>
-            </a:r>
-            <a:r>
-              <a:rPr lang="en-US" dirty="0">
-                <a:latin typeface="Verdana Regular" charset="0"/>
-                <a:ea typeface="Verdana Regular" charset="0"/>
-                <a:cs typeface="Verdana Regular" charset="0"/>
-              </a:rPr>
-              <a:t> </a:t>
-            </a:r>
-            <a:r>
-              <a:rPr lang="en-US" dirty="0" err="1">
-                <a:latin typeface="Verdana Regular" charset="0"/>
-                <a:ea typeface="Verdana Regular" charset="0"/>
-                <a:cs typeface="Verdana Regular" charset="0"/>
-              </a:rPr>
-              <a:t>ea</a:t>
-            </a:r>
-            <a:r>
-              <a:rPr lang="en-US" dirty="0">
-                <a:latin typeface="Verdana Regular" charset="0"/>
-                <a:ea typeface="Verdana Regular" charset="0"/>
-                <a:cs typeface="Verdana Regular" charset="0"/>
-              </a:rPr>
-              <a:t> </a:t>
-            </a:r>
-            <a:r>
-              <a:rPr lang="en-US" dirty="0" err="1">
-                <a:latin typeface="Verdana Regular" charset="0"/>
-                <a:ea typeface="Verdana Regular" charset="0"/>
-                <a:cs typeface="Verdana Regular" charset="0"/>
-              </a:rPr>
-              <a:t>commodo</a:t>
-            </a:r>
-            <a:r>
-              <a:rPr lang="en-US" dirty="0">
-                <a:latin typeface="Verdana Regular" charset="0"/>
-                <a:ea typeface="Verdana Regular" charset="0"/>
-                <a:cs typeface="Verdana Regular" charset="0"/>
-              </a:rPr>
-              <a:t> </a:t>
-            </a:r>
-            <a:r>
-              <a:rPr lang="en-US" dirty="0" err="1">
-                <a:latin typeface="Verdana Regular" charset="0"/>
-                <a:ea typeface="Verdana Regular" charset="0"/>
-                <a:cs typeface="Verdana Regular" charset="0"/>
-              </a:rPr>
-              <a:t>lortis</a:t>
-            </a:r>
-            <a:r>
-              <a:rPr lang="en-US" dirty="0">
-                <a:latin typeface="Verdana Regular" charset="0"/>
-                <a:ea typeface="Verdana Regular" charset="0"/>
-                <a:cs typeface="Verdana Regular" charset="0"/>
-              </a:rPr>
-              <a:t> </a:t>
-            </a:r>
-            <a:r>
-              <a:rPr lang="en-US" dirty="0" err="1">
-                <a:latin typeface="Verdana Regular" charset="0"/>
-                <a:ea typeface="Verdana Regular" charset="0"/>
-                <a:cs typeface="Verdana Regular" charset="0"/>
-              </a:rPr>
-              <a:t>aliquamcommy</a:t>
-            </a:r>
-            <a:r>
-              <a:rPr lang="en-US" dirty="0">
-                <a:latin typeface="Verdana Regular" charset="0"/>
-                <a:ea typeface="Verdana Regular" charset="0"/>
-                <a:cs typeface="Verdana Regular" charset="0"/>
-              </a:rPr>
-              <a:t> </a:t>
-            </a:r>
-            <a:r>
-              <a:rPr lang="en-US" dirty="0" err="1">
-                <a:latin typeface="Verdana Regular" charset="0"/>
-                <a:ea typeface="Verdana Regular" charset="0"/>
-                <a:cs typeface="Verdana Regular" charset="0"/>
-              </a:rPr>
-              <a:t>niat</a:t>
-            </a:r>
-            <a:r>
-              <a:rPr lang="en-US" dirty="0">
-                <a:latin typeface="Verdana Regular" charset="0"/>
-                <a:ea typeface="Verdana Regular" charset="0"/>
-                <a:cs typeface="Verdana Regular" charset="0"/>
-              </a:rPr>
-              <a:t> </a:t>
-            </a:r>
-            <a:r>
-              <a:rPr lang="en-US" dirty="0" err="1">
-                <a:latin typeface="Verdana Regular" charset="0"/>
-                <a:ea typeface="Verdana Regular" charset="0"/>
-                <a:cs typeface="Verdana Regular" charset="0"/>
-              </a:rPr>
-              <a:t>aliquat</a:t>
-            </a:r>
-            <a:r>
-              <a:rPr lang="en-US" dirty="0">
-                <a:latin typeface="Verdana Regular" charset="0"/>
-                <a:ea typeface="Verdana Regular" charset="0"/>
-                <a:cs typeface="Verdana Regular" charset="0"/>
-              </a:rPr>
-              <a:t> </a:t>
-            </a:r>
-            <a:r>
-              <a:rPr lang="en-US" dirty="0" err="1">
-                <a:latin typeface="Verdana Regular" charset="0"/>
-                <a:ea typeface="Verdana Regular" charset="0"/>
-                <a:cs typeface="Verdana Regular" charset="0"/>
-              </a:rPr>
-              <a:t>niam</a:t>
-            </a:r>
-            <a:r>
-              <a:rPr lang="en-US" dirty="0">
-                <a:latin typeface="Verdana Regular" charset="0"/>
-                <a:ea typeface="Verdana Regular" charset="0"/>
-                <a:cs typeface="Verdana Regular" charset="0"/>
-              </a:rPr>
-              <a:t> </a:t>
-            </a:r>
-            <a:r>
-              <a:rPr lang="en-US" dirty="0" err="1">
-                <a:latin typeface="Verdana Regular" charset="0"/>
-                <a:ea typeface="Verdana Regular" charset="0"/>
-                <a:cs typeface="Verdana Regular" charset="0"/>
-              </a:rPr>
-              <a:t>ercillan</a:t>
-            </a:r>
-            <a:r>
-              <a:rPr lang="en-US" dirty="0">
-                <a:latin typeface="Verdana Regular" charset="0"/>
-                <a:ea typeface="Verdana Regular" charset="0"/>
-                <a:cs typeface="Verdana Regular" charset="0"/>
-              </a:rPr>
-              <a:t> </a:t>
-            </a:r>
-            <a:r>
-              <a:rPr lang="en-US" dirty="0" err="1">
-                <a:latin typeface="Verdana Regular" charset="0"/>
-                <a:ea typeface="Verdana Regular" charset="0"/>
-                <a:cs typeface="Verdana Regular" charset="0"/>
-              </a:rPr>
-              <a:t>eu</a:t>
-            </a:r>
-            <a:r>
-              <a:rPr lang="en-US" dirty="0">
-                <a:latin typeface="Verdana Regular" charset="0"/>
-                <a:ea typeface="Verdana Regular" charset="0"/>
-                <a:cs typeface="Verdana Regular" charset="0"/>
-              </a:rPr>
-              <a:t> </a:t>
-            </a:r>
-            <a:r>
-              <a:rPr lang="en-US" dirty="0" err="1">
-                <a:latin typeface="Verdana Regular" charset="0"/>
-                <a:ea typeface="Verdana Regular" charset="0"/>
-                <a:cs typeface="Verdana Regular" charset="0"/>
-              </a:rPr>
-              <a:t>feugue</a:t>
-            </a:r>
-            <a:r>
-              <a:rPr lang="en-US" dirty="0">
-                <a:latin typeface="Verdana Regular" charset="0"/>
-                <a:ea typeface="Verdana Regular" charset="0"/>
-                <a:cs typeface="Verdana Regular" charset="0"/>
-              </a:rPr>
-              <a:t> </a:t>
-            </a:r>
-            <a:r>
-              <a:rPr lang="en-US" dirty="0" err="1">
-                <a:latin typeface="Verdana Regular" charset="0"/>
-                <a:ea typeface="Verdana Regular" charset="0"/>
-                <a:cs typeface="Verdana Regular" charset="0"/>
-              </a:rPr>
-              <a:t>magnisl</a:t>
-            </a:r>
-            <a:r>
-              <a:rPr lang="en-US" dirty="0">
-                <a:latin typeface="Verdana Regular" charset="0"/>
-                <a:ea typeface="Verdana Regular" charset="0"/>
-                <a:cs typeface="Verdana Regular" charset="0"/>
-              </a:rPr>
-              <a:t> </a:t>
-            </a:r>
-            <a:r>
-              <a:rPr lang="en-US" dirty="0" err="1">
-                <a:latin typeface="Verdana Regular" charset="0"/>
-                <a:ea typeface="Verdana Regular" charset="0"/>
-                <a:cs typeface="Verdana Regular" charset="0"/>
-              </a:rPr>
-              <a:t>utpat</a:t>
-            </a:r>
-            <a:r>
-              <a:rPr lang="en-US" dirty="0">
-                <a:latin typeface="Verdana Regular" charset="0"/>
-                <a:ea typeface="Verdana Regular" charset="0"/>
-                <a:cs typeface="Verdana Regular" charset="0"/>
-              </a:rPr>
-              <a:t> </a:t>
-            </a:r>
-            <a:r>
-              <a:rPr lang="en-US" dirty="0" err="1">
-                <a:latin typeface="Verdana Regular" charset="0"/>
-                <a:ea typeface="Verdana Regular" charset="0"/>
-                <a:cs typeface="Verdana Regular" charset="0"/>
-              </a:rPr>
-              <a:t>autat</a:t>
-            </a:r>
-            <a:r>
-              <a:rPr lang="en-US" dirty="0">
-                <a:latin typeface="Verdana Regular" charset="0"/>
-                <a:ea typeface="Verdana Regular" charset="0"/>
-                <a:cs typeface="Verdana Regular" charset="0"/>
-              </a:rPr>
-              <a:t>. Sim ipsum </a:t>
-            </a:r>
-            <a:r>
-              <a:rPr lang="en-US" dirty="0" err="1">
-                <a:latin typeface="Verdana Regular" charset="0"/>
-                <a:ea typeface="Verdana Regular" charset="0"/>
-                <a:cs typeface="Verdana Regular" charset="0"/>
-              </a:rPr>
-              <a:t>dolorem</a:t>
-            </a:r>
-            <a:r>
-              <a:rPr lang="en-US" dirty="0">
-                <a:latin typeface="Verdana Regular" charset="0"/>
-                <a:ea typeface="Verdana Regular" charset="0"/>
-                <a:cs typeface="Verdana Regular" charset="0"/>
-              </a:rPr>
-              <a:t> </a:t>
-            </a:r>
-            <a:r>
-              <a:rPr lang="en-US" dirty="0" err="1">
-                <a:latin typeface="Verdana Regular" charset="0"/>
-                <a:ea typeface="Verdana Regular" charset="0"/>
-                <a:cs typeface="Verdana Regular" charset="0"/>
-              </a:rPr>
-              <a:t>velis</a:t>
-            </a:r>
-            <a:r>
-              <a:rPr lang="en-US" dirty="0">
-                <a:latin typeface="Verdana Regular" charset="0"/>
-                <a:ea typeface="Verdana Regular" charset="0"/>
-                <a:cs typeface="Verdana Regular" charset="0"/>
-              </a:rPr>
-              <a:t> </a:t>
-            </a:r>
-            <a:r>
-              <a:rPr lang="en-US" dirty="0" err="1">
-                <a:latin typeface="Verdana Regular" charset="0"/>
-                <a:ea typeface="Verdana Regular" charset="0"/>
-                <a:cs typeface="Verdana Regular" charset="0"/>
-              </a:rPr>
-              <a:t>aut</a:t>
-            </a:r>
-            <a:r>
-              <a:rPr lang="en-US" dirty="0">
-                <a:latin typeface="Verdana Regular" charset="0"/>
-                <a:ea typeface="Verdana Regular" charset="0"/>
-                <a:cs typeface="Verdana Regular" charset="0"/>
-              </a:rPr>
-              <a:t> </a:t>
-            </a:r>
-            <a:r>
-              <a:rPr lang="en-US" dirty="0" err="1">
-                <a:latin typeface="Verdana Regular" charset="0"/>
-                <a:ea typeface="Verdana Regular" charset="0"/>
-                <a:cs typeface="Verdana Regular" charset="0"/>
-              </a:rPr>
-              <a:t>vulputpat</a:t>
-            </a:r>
-            <a:r>
-              <a:rPr lang="en-US" dirty="0">
-                <a:latin typeface="Verdana Regular" charset="0"/>
-                <a:ea typeface="Verdana Regular" charset="0"/>
-                <a:cs typeface="Verdana Regular" charset="0"/>
-              </a:rPr>
-              <a:t> </a:t>
-            </a:r>
-            <a:r>
-              <a:rPr lang="en-US" dirty="0" err="1">
-                <a:latin typeface="Verdana Regular" charset="0"/>
-                <a:ea typeface="Verdana Regular" charset="0"/>
-                <a:cs typeface="Verdana Regular" charset="0"/>
-              </a:rPr>
-              <a:t>eu</a:t>
-            </a:r>
-            <a:r>
-              <a:rPr lang="en-US" dirty="0">
-                <a:latin typeface="Verdana Regular" charset="0"/>
-                <a:ea typeface="Verdana Regular" charset="0"/>
-                <a:cs typeface="Verdana Regular" charset="0"/>
-              </a:rPr>
-              <a:t> </a:t>
-            </a:r>
-            <a:r>
-              <a:rPr lang="en-US" dirty="0" err="1">
-                <a:latin typeface="Verdana Regular" charset="0"/>
-                <a:ea typeface="Verdana Regular" charset="0"/>
-                <a:cs typeface="Verdana Regular" charset="0"/>
-              </a:rPr>
-              <a:t>facilit</a:t>
-            </a:r>
-            <a:r>
-              <a:rPr lang="en-US" dirty="0">
-                <a:latin typeface="Verdana Regular" charset="0"/>
-                <a:ea typeface="Verdana Regular" charset="0"/>
-                <a:cs typeface="Verdana Regular" charset="0"/>
-              </a:rPr>
-              <a:t> am </a:t>
-            </a:r>
-            <a:r>
-              <a:rPr lang="en-US" dirty="0" err="1">
-                <a:latin typeface="Verdana Regular" charset="0"/>
-                <a:ea typeface="Verdana Regular" charset="0"/>
-                <a:cs typeface="Verdana Regular" charset="0"/>
-              </a:rPr>
-              <a:t>delestrud</a:t>
-            </a:r>
-            <a:r>
-              <a:rPr lang="en-US" dirty="0">
-                <a:latin typeface="Verdana Regular" charset="0"/>
-                <a:ea typeface="Verdana Regular" charset="0"/>
-                <a:cs typeface="Verdana Regular" charset="0"/>
-              </a:rPr>
-              <a:t> </a:t>
-            </a:r>
-            <a:r>
-              <a:rPr lang="en-US" dirty="0" err="1">
-                <a:latin typeface="Verdana Regular" charset="0"/>
-                <a:ea typeface="Verdana Regular" charset="0"/>
-                <a:cs typeface="Verdana Regular" charset="0"/>
-              </a:rPr>
-              <a:t>eui</a:t>
-            </a:r>
-            <a:r>
-              <a:rPr lang="en-US" dirty="0">
-                <a:latin typeface="Verdana Regular" charset="0"/>
-                <a:ea typeface="Verdana Regular" charset="0"/>
-                <a:cs typeface="Verdana Regular" charset="0"/>
-              </a:rPr>
-              <a:t> </a:t>
-            </a:r>
-            <a:r>
-              <a:rPr lang="en-US" dirty="0" err="1">
-                <a:latin typeface="Verdana Regular" charset="0"/>
-                <a:ea typeface="Verdana Regular" charset="0"/>
-                <a:cs typeface="Verdana Regular" charset="0"/>
-              </a:rPr>
-              <a:t>blan</a:t>
-            </a:r>
-            <a:r>
-              <a:rPr lang="en-US" dirty="0">
-                <a:latin typeface="Verdana Regular" charset="0"/>
-                <a:ea typeface="Verdana Regular" charset="0"/>
-                <a:cs typeface="Verdana Regular" charset="0"/>
-              </a:rPr>
-              <a:t> </a:t>
-            </a:r>
-            <a:r>
-              <a:rPr lang="en-US" dirty="0" err="1">
-                <a:latin typeface="Verdana Regular" charset="0"/>
-                <a:ea typeface="Verdana Regular" charset="0"/>
-                <a:cs typeface="Verdana Regular" charset="0"/>
-              </a:rPr>
-              <a:t>vendre</a:t>
-            </a:r>
-            <a:r>
-              <a:rPr lang="en-US" dirty="0">
-                <a:latin typeface="Verdana Regular" charset="0"/>
-                <a:ea typeface="Verdana Regular" charset="0"/>
-                <a:cs typeface="Verdana Regular" charset="0"/>
-              </a:rPr>
-              <a:t> </a:t>
-            </a:r>
-            <a:r>
-              <a:rPr lang="en-US" dirty="0" err="1">
-                <a:latin typeface="Verdana Regular" charset="0"/>
-                <a:ea typeface="Verdana Regular" charset="0"/>
-                <a:cs typeface="Verdana Regular" charset="0"/>
-              </a:rPr>
-              <a:t>elisisc</a:t>
-            </a:r>
-            <a:r>
-              <a:rPr lang="en-US" dirty="0">
-                <a:latin typeface="Verdana Regular" charset="0"/>
-                <a:ea typeface="Verdana Regular" charset="0"/>
-                <a:cs typeface="Verdana Regular" charset="0"/>
-              </a:rPr>
-              <a:t> </a:t>
-            </a:r>
-            <a:r>
-              <a:rPr lang="en-US" dirty="0" err="1">
-                <a:latin typeface="Verdana Regular" charset="0"/>
-                <a:ea typeface="Verdana Regular" charset="0"/>
-                <a:cs typeface="Verdana Regular" charset="0"/>
-              </a:rPr>
-              <a:t>illaorp</a:t>
-            </a:r>
-            <a:r>
-              <a:rPr lang="en-US" dirty="0">
-                <a:latin typeface="Verdana Regular" charset="0"/>
-                <a:ea typeface="Verdana Regular" charset="0"/>
-                <a:cs typeface="Verdana Regular" charset="0"/>
-              </a:rPr>
-              <a:t> </a:t>
-            </a:r>
-            <a:r>
-              <a:rPr lang="en-US" dirty="0" err="1">
-                <a:latin typeface="Verdana Regular" charset="0"/>
-                <a:ea typeface="Verdana Regular" charset="0"/>
-                <a:cs typeface="Verdana Regular" charset="0"/>
-              </a:rPr>
-              <a:t>ercilisi</a:t>
-            </a:r>
-            <a:r>
-              <a:rPr lang="en-US" dirty="0">
-                <a:latin typeface="Verdana Regular" charset="0"/>
-                <a:ea typeface="Verdana Regular" charset="0"/>
-                <a:cs typeface="Verdana Regular" charset="0"/>
-              </a:rPr>
-              <a:t> </a:t>
-            </a:r>
-            <a:r>
-              <a:rPr lang="en-US" dirty="0" err="1">
-                <a:latin typeface="Verdana Regular" charset="0"/>
-                <a:ea typeface="Verdana Regular" charset="0"/>
-                <a:cs typeface="Verdana Regular" charset="0"/>
-              </a:rPr>
-              <a:t>faccumsandre</a:t>
-            </a:r>
-            <a:r>
-              <a:rPr lang="en-US" dirty="0">
-                <a:latin typeface="Verdana Regular" charset="0"/>
-                <a:ea typeface="Verdana Regular" charset="0"/>
-                <a:cs typeface="Verdana Regular" charset="0"/>
-              </a:rPr>
-              <a:t> tat </a:t>
-            </a:r>
-            <a:r>
-              <a:rPr lang="en-US" dirty="0" err="1">
-                <a:latin typeface="Verdana Regular" charset="0"/>
-                <a:ea typeface="Verdana Regular" charset="0"/>
-                <a:cs typeface="Verdana Regular" charset="0"/>
-              </a:rPr>
-              <a:t>dipit</a:t>
-            </a:r>
-            <a:r>
-              <a:rPr lang="en-US" dirty="0">
-                <a:latin typeface="Verdana Regular" charset="0"/>
-                <a:ea typeface="Verdana Regular" charset="0"/>
-                <a:cs typeface="Verdana Regular" charset="0"/>
-              </a:rPr>
-              <a:t> </a:t>
-            </a:r>
-            <a:r>
-              <a:rPr lang="en-US" dirty="0" err="1">
-                <a:latin typeface="Verdana Regular" charset="0"/>
-                <a:ea typeface="Verdana Regular" charset="0"/>
-                <a:cs typeface="Verdana Regular" charset="0"/>
-              </a:rPr>
-              <a:t>nis</a:t>
-            </a:r>
-            <a:r>
-              <a:rPr lang="en-US" dirty="0">
-                <a:latin typeface="Verdana Regular" charset="0"/>
-                <a:ea typeface="Verdana Regular" charset="0"/>
-                <a:cs typeface="Verdana Regular" charset="0"/>
-              </a:rPr>
-              <a:t> </a:t>
-            </a:r>
-            <a:r>
-              <a:rPr lang="en-US" dirty="0" err="1">
-                <a:latin typeface="Verdana Regular" charset="0"/>
-                <a:ea typeface="Verdana Regular" charset="0"/>
-                <a:cs typeface="Verdana Regular" charset="0"/>
-              </a:rPr>
-              <a:t>dionull</a:t>
-            </a:r>
-            <a:r>
-              <a:rPr lang="en-US" dirty="0">
-                <a:latin typeface="Verdana Regular" charset="0"/>
-                <a:ea typeface="Verdana Regular" charset="0"/>
-                <a:cs typeface="Verdana Regular" charset="0"/>
-              </a:rPr>
-              <a:t> </a:t>
-            </a:r>
-            <a:r>
-              <a:rPr lang="en-US" dirty="0" err="1">
-                <a:latin typeface="Verdana Regular" charset="0"/>
-                <a:ea typeface="Verdana Regular" charset="0"/>
-                <a:cs typeface="Verdana Regular" charset="0"/>
-              </a:rPr>
-              <a:t>amconsequat</a:t>
-            </a:r>
-            <a:r>
-              <a:rPr lang="en-US" dirty="0">
-                <a:latin typeface="Verdana Regular" charset="0"/>
-                <a:ea typeface="Verdana Regular" charset="0"/>
-                <a:cs typeface="Verdana Regular" charset="0"/>
-              </a:rPr>
-              <a:t>, </a:t>
-            </a:r>
-            <a:r>
-              <a:rPr lang="en-US" dirty="0" err="1">
-                <a:latin typeface="Verdana Regular" charset="0"/>
-                <a:ea typeface="Verdana Regular" charset="0"/>
-                <a:cs typeface="Verdana Regular" charset="0"/>
-              </a:rPr>
-              <a:t>senisi</a:t>
-            </a:r>
-            <a:r>
-              <a:rPr lang="en-US" dirty="0">
-                <a:latin typeface="Verdana Regular" charset="0"/>
-                <a:ea typeface="Verdana Regular" charset="0"/>
-                <a:cs typeface="Verdana Regular" charset="0"/>
-              </a:rPr>
-              <a:t>.</a:t>
+              <a:t>)</a:t>
             </a:r>
           </a:p>
           <a:p>
@@ -3224,20 +2240,12 @@
               </a:spcAft>
             </a:pPr>
             <a:r>
-              <a:rPr lang="en-US" dirty="0">
+              <a:rPr lang="en-US" b="1" dirty="0">
                 <a:latin typeface="Verdana Regular" charset="0"/>
                 <a:ea typeface="Verdana Regular" charset="0"/>
                 <a:cs typeface="Verdana Regular" charset="0"/>
               </a:rPr>
-              <a:t>Lore del </a:t>
-            </a:r>
-            <a:r>
-              <a:rPr lang="en-US" dirty="0" err="1">
-                <a:latin typeface="Verdana Regular" charset="0"/>
-                <a:ea typeface="Verdana Regular" charset="0"/>
-                <a:cs typeface="Verdana Regular" charset="0"/>
-              </a:rPr>
-              <a:t>utatis</a:t>
+              <a:t>Good Bot: </a:t>
             </a:r>
             <a:r>
               <a:rPr lang="en-US" dirty="0">
@@ -3245,510 +2253,7 @@
                 <a:ea typeface="Verdana Regular" charset="0"/>
                 <a:cs typeface="Verdana Regular" charset="0"/>
               </a:rPr>
-              <a:t> </a:t>
-            </a:r>
-            <a:r>
-              <a:rPr lang="en-US" dirty="0" err="1">
-                <a:latin typeface="Verdana Regular" charset="0"/>
-                <a:ea typeface="Verdana Regular" charset="0"/>
-                <a:cs typeface="Verdana Regular" charset="0"/>
-              </a:rPr>
-              <a:t>amcorpercin</a:t>
-            </a:r>
-            <a:r>
-              <a:rPr lang="en-US" dirty="0">
-                <a:latin typeface="Verdana Regular" charset="0"/>
-                <a:ea typeface="Verdana Regular" charset="0"/>
-                <a:cs typeface="Verdana Regular" charset="0"/>
-              </a:rPr>
-              <a:t> </a:t>
-            </a:r>
-            <a:r>
-              <a:rPr lang="en-US" dirty="0" err="1">
-                <a:latin typeface="Verdana Regular" charset="0"/>
-                <a:ea typeface="Verdana Regular" charset="0"/>
-                <a:cs typeface="Verdana Regular" charset="0"/>
-              </a:rPr>
-              <a:t>henim</a:t>
-            </a:r>
-            <a:r>
-              <a:rPr lang="en-US" dirty="0">
-                <a:latin typeface="Verdana Regular" charset="0"/>
-                <a:ea typeface="Verdana Regular" charset="0"/>
-                <a:cs typeface="Verdana Regular" charset="0"/>
-              </a:rPr>
-              <a:t> </a:t>
-            </a:r>
-            <a:r>
-              <a:rPr lang="en-US" dirty="0" err="1">
-                <a:latin typeface="Verdana Regular" charset="0"/>
-                <a:ea typeface="Verdana Regular" charset="0"/>
-                <a:cs typeface="Verdana Regular" charset="0"/>
-              </a:rPr>
-              <a:t>zzriliq</a:t>
-            </a:r>
-            <a:r>
-              <a:rPr lang="en-US" dirty="0">
-                <a:latin typeface="Verdana Regular" charset="0"/>
-                <a:ea typeface="Verdana Regular" charset="0"/>
-                <a:cs typeface="Verdana Regular" charset="0"/>
-              </a:rPr>
-              <a:t> </a:t>
-            </a:r>
-            <a:r>
-              <a:rPr lang="en-US" dirty="0" err="1">
-                <a:latin typeface="Verdana Regular" charset="0"/>
-                <a:ea typeface="Verdana Regular" charset="0"/>
-                <a:cs typeface="Verdana Regular" charset="0"/>
-              </a:rPr>
-              <a:t>uismodo</a:t>
-            </a:r>
-            <a:r>
-              <a:rPr lang="en-US" dirty="0">
-                <a:latin typeface="Verdana Regular" charset="0"/>
-                <a:ea typeface="Verdana Regular" charset="0"/>
-                <a:cs typeface="Verdana Regular" charset="0"/>
-              </a:rPr>
-              <a:t> </a:t>
-            </a:r>
-            <a:r>
-              <a:rPr lang="en-US" dirty="0" err="1">
-                <a:latin typeface="Verdana Regular" charset="0"/>
-                <a:ea typeface="Verdana Regular" charset="0"/>
-                <a:cs typeface="Verdana Regular" charset="0"/>
-              </a:rPr>
-              <a:t>leniat</a:t>
-            </a:r>
-            <a:r>
-              <a:rPr lang="en-US" dirty="0">
-                <a:latin typeface="Verdana Regular" charset="0"/>
-                <a:ea typeface="Verdana Regular" charset="0"/>
-                <a:cs typeface="Verdana Regular" charset="0"/>
-              </a:rPr>
-              <a:t> </a:t>
-            </a:r>
-            <a:r>
-              <a:rPr lang="en-US" dirty="0" err="1">
-                <a:latin typeface="Verdana Regular" charset="0"/>
-                <a:ea typeface="Verdana Regular" charset="0"/>
-                <a:cs typeface="Verdana Regular" charset="0"/>
-              </a:rPr>
-              <a:t>aciduisl</a:t>
-            </a:r>
-            <a:r>
-              <a:rPr lang="en-US" dirty="0">
-                <a:latin typeface="Verdana Regular" charset="0"/>
-                <a:ea typeface="Verdana Regular" charset="0"/>
-                <a:cs typeface="Verdana Regular" charset="0"/>
-              </a:rPr>
-              <a:t> </a:t>
-            </a:r>
-            <a:r>
-              <a:rPr lang="en-US" dirty="0" err="1">
-                <a:latin typeface="Verdana Regular" charset="0"/>
-                <a:ea typeface="Verdana Regular" charset="0"/>
-                <a:cs typeface="Verdana Regular" charset="0"/>
-              </a:rPr>
-              <a:t>il</a:t>
-            </a:r>
-            <a:r>
-              <a:rPr lang="en-US" dirty="0">
-                <a:latin typeface="Verdana Regular" charset="0"/>
-                <a:ea typeface="Verdana Regular" charset="0"/>
-                <a:cs typeface="Verdana Regular" charset="0"/>
-              </a:rPr>
-              <a:t> </a:t>
-            </a:r>
-            <a:r>
-              <a:rPr lang="en-US" dirty="0" err="1">
-                <a:latin typeface="Verdana Regular" charset="0"/>
-                <a:ea typeface="Verdana Regular" charset="0"/>
-                <a:cs typeface="Verdana Regular" charset="0"/>
-              </a:rPr>
-              <a:t>eugait</a:t>
-            </a:r>
-            <a:r>
-              <a:rPr lang="en-US" dirty="0">
-                <a:latin typeface="Verdana Regular" charset="0"/>
-                <a:ea typeface="Verdana Regular" charset="0"/>
-                <a:cs typeface="Verdana Regular" charset="0"/>
-              </a:rPr>
-              <a:t> </a:t>
-            </a:r>
-            <a:r>
-              <a:rPr lang="en-US" dirty="0" err="1">
-                <a:latin typeface="Verdana Regular" charset="0"/>
-                <a:ea typeface="Verdana Regular" charset="0"/>
-                <a:cs typeface="Verdana Regular" charset="0"/>
-              </a:rPr>
-              <a:t>velis</a:t>
-            </a:r>
-            <a:r>
-              <a:rPr lang="en-US" dirty="0">
-                <a:latin typeface="Verdana Regular" charset="0"/>
-                <a:ea typeface="Verdana Regular" charset="0"/>
-                <a:cs typeface="Verdana Regular" charset="0"/>
-              </a:rPr>
-              <a:t> </a:t>
-            </a:r>
-            <a:r>
-              <a:rPr lang="en-US" dirty="0" err="1">
-                <a:latin typeface="Verdana Regular" charset="0"/>
-                <a:ea typeface="Verdana Regular" charset="0"/>
-                <a:cs typeface="Verdana Regular" charset="0"/>
-              </a:rPr>
-              <a:t>nos</a:t>
-            </a:r>
-            <a:r>
-              <a:rPr lang="en-US" dirty="0">
-                <a:latin typeface="Verdana Regular" charset="0"/>
-                <a:ea typeface="Verdana Regular" charset="0"/>
-                <a:cs typeface="Verdana Regular" charset="0"/>
-              </a:rPr>
-              <a:t> alit prat ad </a:t>
-            </a:r>
-            <a:r>
-              <a:rPr lang="en-US" dirty="0" err="1">
-                <a:latin typeface="Verdana Regular" charset="0"/>
-                <a:ea typeface="Verdana Regular" charset="0"/>
-                <a:cs typeface="Verdana Regular" charset="0"/>
-              </a:rPr>
-              <a:t>tionsecte</a:t>
-            </a:r>
-            <a:r>
-              <a:rPr lang="en-US" dirty="0">
-                <a:latin typeface="Verdana Regular" charset="0"/>
-                <a:ea typeface="Verdana Regular" charset="0"/>
-                <a:cs typeface="Verdana Regular" charset="0"/>
-              </a:rPr>
-              <a:t> </a:t>
-            </a:r>
-            <a:r>
-              <a:rPr lang="en-US" dirty="0" err="1">
-                <a:latin typeface="Verdana Regular" charset="0"/>
-                <a:ea typeface="Verdana Regular" charset="0"/>
-                <a:cs typeface="Verdana Regular" charset="0"/>
-              </a:rPr>
-              <a:t>conullan</a:t>
-            </a:r>
-            <a:r>
-              <a:rPr lang="en-US" dirty="0">
-                <a:latin typeface="Verdana Regular" charset="0"/>
-                <a:ea typeface="Verdana Regular" charset="0"/>
-                <a:cs typeface="Verdana Regular" charset="0"/>
-              </a:rPr>
-              <a:t> et, </a:t>
-            </a:r>
-            <a:r>
-              <a:rPr lang="en-US" dirty="0" err="1">
-                <a:latin typeface="Verdana Regular" charset="0"/>
-                <a:ea typeface="Verdana Regular" charset="0"/>
-                <a:cs typeface="Verdana Regular" charset="0"/>
-              </a:rPr>
-              <a:t>verit</a:t>
-            </a:r>
-            <a:r>
-              <a:rPr lang="en-US" dirty="0">
-                <a:latin typeface="Verdana Regular" charset="0"/>
-                <a:ea typeface="Verdana Regular" charset="0"/>
-                <a:cs typeface="Verdana Regular" charset="0"/>
-              </a:rPr>
-              <a:t> </a:t>
-            </a:r>
-            <a:r>
-              <a:rPr lang="en-US" dirty="0" err="1">
-                <a:latin typeface="Verdana Regular" charset="0"/>
-                <a:ea typeface="Verdana Regular" charset="0"/>
-                <a:cs typeface="Verdana Regular" charset="0"/>
-              </a:rPr>
-              <a:t>accum</a:t>
-            </a:r>
-            <a:r>
-              <a:rPr lang="en-US" dirty="0">
-                <a:latin typeface="Verdana Regular" charset="0"/>
-                <a:ea typeface="Verdana Regular" charset="0"/>
-                <a:cs typeface="Verdana Regular" charset="0"/>
-              </a:rPr>
-              <a:t> ad </a:t>
-            </a:r>
-            <a:r>
-              <a:rPr lang="en-US" dirty="0" err="1">
-                <a:latin typeface="Verdana Regular" charset="0"/>
-                <a:ea typeface="Verdana Regular" charset="0"/>
-                <a:cs typeface="Verdana Regular" charset="0"/>
-              </a:rPr>
-              <a:t>essi</a:t>
-            </a:r>
-            <a:r>
-              <a:rPr lang="en-US" dirty="0">
-                <a:latin typeface="Verdana Regular" charset="0"/>
-                <a:ea typeface="Verdana Regular" charset="0"/>
-                <a:cs typeface="Verdana Regular" charset="0"/>
-              </a:rPr>
-              <a:t>.</a:t>
-            </a:r>
-          </a:p>
-          <a:p>
-            <a:pPr>
-              <a:spcAft>
-                <a:spcPts val="2600"/>
-              </a:spcAft>
-            </a:pPr>
-            <a:r>
-              <a:rPr lang="en-US" dirty="0" err="1">
-                <a:latin typeface="Verdana Regular" charset="0"/>
-                <a:ea typeface="Verdana Regular" charset="0"/>
-                <a:cs typeface="Verdana Regular" charset="0"/>
-              </a:rPr>
-              <a:t>Vel</a:t>
-            </a:r>
-            <a:r>
-              <a:rPr lang="en-US" dirty="0">
-                <a:latin typeface="Verdana Regular" charset="0"/>
-                <a:ea typeface="Verdana Regular" charset="0"/>
-                <a:cs typeface="Verdana Regular" charset="0"/>
-              </a:rPr>
-              <a:t> et </a:t>
-            </a:r>
-            <a:r>
-              <a:rPr lang="en-US" dirty="0" err="1">
-                <a:latin typeface="Verdana Regular" charset="0"/>
-                <a:ea typeface="Verdana Regular" charset="0"/>
-                <a:cs typeface="Verdana Regular" charset="0"/>
-              </a:rPr>
-              <a:t>vel</a:t>
-            </a:r>
-            <a:r>
-              <a:rPr lang="en-US" dirty="0">
-                <a:latin typeface="Verdana Regular" charset="0"/>
-                <a:ea typeface="Verdana Regular" charset="0"/>
-                <a:cs typeface="Verdana Regular" charset="0"/>
-              </a:rPr>
-              <a:t> </a:t>
-            </a:r>
-            <a:r>
-              <a:rPr lang="en-US" dirty="0" err="1">
-                <a:latin typeface="Verdana Regular" charset="0"/>
-                <a:ea typeface="Verdana Regular" charset="0"/>
-                <a:cs typeface="Verdana Regular" charset="0"/>
-              </a:rPr>
-              <a:t>dionsenit</a:t>
-            </a:r>
-            <a:r>
-              <a:rPr lang="en-US" dirty="0">
-                <a:latin typeface="Verdana Regular" charset="0"/>
-                <a:ea typeface="Verdana Regular" charset="0"/>
-                <a:cs typeface="Verdana Regular" charset="0"/>
-              </a:rPr>
-              <a:t> </a:t>
-            </a:r>
-            <a:r>
-              <a:rPr lang="en-US" dirty="0" err="1">
-                <a:latin typeface="Verdana Regular" charset="0"/>
-                <a:ea typeface="Verdana Regular" charset="0"/>
-                <a:cs typeface="Verdana Regular" charset="0"/>
-              </a:rPr>
-              <a:t>adit</a:t>
-            </a:r>
-            <a:r>
-              <a:rPr lang="en-US" dirty="0">
-                <a:latin typeface="Verdana Regular" charset="0"/>
-                <a:ea typeface="Verdana Regular" charset="0"/>
-                <a:cs typeface="Verdana Regular" charset="0"/>
-              </a:rPr>
-              <a:t>, </a:t>
-            </a:r>
-            <a:r>
-              <a:rPr lang="en-US" dirty="0" err="1">
-                <a:latin typeface="Verdana Regular" charset="0"/>
-                <a:ea typeface="Verdana Regular" charset="0"/>
-                <a:cs typeface="Verdana Regular" charset="0"/>
-              </a:rPr>
-              <a:t>consenim</a:t>
-            </a:r>
-            <a:r>
-              <a:rPr lang="en-US" dirty="0">
-                <a:latin typeface="Verdana Regular" charset="0"/>
-                <a:ea typeface="Verdana Regular" charset="0"/>
-                <a:cs typeface="Verdana Regular" charset="0"/>
-              </a:rPr>
-              <a:t> </a:t>
-            </a:r>
-            <a:r>
-              <a:rPr lang="en-US" dirty="0" err="1">
-                <a:latin typeface="Verdana Regular" charset="0"/>
-                <a:ea typeface="Verdana Regular" charset="0"/>
-                <a:cs typeface="Verdana Regular" charset="0"/>
-              </a:rPr>
-              <a:t>zzrillute</a:t>
-            </a:r>
-            <a:r>
-              <a:rPr lang="en-US" dirty="0">
-                <a:latin typeface="Verdana Regular" charset="0"/>
-                <a:ea typeface="Verdana Regular" charset="0"/>
-                <a:cs typeface="Verdana Regular" charset="0"/>
-              </a:rPr>
-              <a:t> el </a:t>
-            </a:r>
-            <a:r>
-              <a:rPr lang="en-US" dirty="0" err="1">
-                <a:latin typeface="Verdana Regular" charset="0"/>
-                <a:ea typeface="Verdana Regular" charset="0"/>
-                <a:cs typeface="Verdana Regular" charset="0"/>
-              </a:rPr>
-              <a:t>euguerostie</a:t>
-            </a:r>
-            <a:r>
-              <a:rPr lang="en-US" dirty="0">
-                <a:latin typeface="Verdana Regular" charset="0"/>
-                <a:ea typeface="Verdana Regular" charset="0"/>
-                <a:cs typeface="Verdana Regular" charset="0"/>
-              </a:rPr>
-              <a:t> </a:t>
-            </a:r>
-            <a:r>
-              <a:rPr lang="en-US" dirty="0" err="1">
-                <a:latin typeface="Verdana Regular" charset="0"/>
-                <a:ea typeface="Verdana Regular" charset="0"/>
-                <a:cs typeface="Verdana Regular" charset="0"/>
-              </a:rPr>
-              <a:t>faci</a:t>
-            </a:r>
-            <a:r>
-              <a:rPr lang="en-US" dirty="0">
-                <a:latin typeface="Verdana Regular" charset="0"/>
-                <a:ea typeface="Verdana Regular" charset="0"/>
-                <a:cs typeface="Verdana Regular" charset="0"/>
-              </a:rPr>
-              <a:t> </a:t>
-            </a:r>
-            <a:r>
-              <a:rPr lang="en-US" dirty="0" err="1">
-                <a:latin typeface="Verdana Regular" charset="0"/>
-                <a:ea typeface="Verdana Regular" charset="0"/>
-                <a:cs typeface="Verdana Regular" charset="0"/>
-              </a:rPr>
-              <a:t>bla</a:t>
-            </a:r>
-            <a:r>
-              <a:rPr lang="en-US" dirty="0">
-                <a:latin typeface="Verdana Regular" charset="0"/>
-                <a:ea typeface="Verdana Regular" charset="0"/>
-                <a:cs typeface="Verdana Regular" charset="0"/>
-              </a:rPr>
-              <a:t> </a:t>
-            </a:r>
-            <a:r>
-              <a:rPr lang="en-US" dirty="0" err="1">
-                <a:latin typeface="Verdana Regular" charset="0"/>
-                <a:ea typeface="Verdana Regular" charset="0"/>
-                <a:cs typeface="Verdana Regular" charset="0"/>
-              </a:rPr>
-              <a:t>conse</a:t>
-            </a:r>
-            <a:r>
-              <a:rPr lang="en-US" dirty="0">
-                <a:latin typeface="Verdana Regular" charset="0"/>
-                <a:ea typeface="Verdana Regular" charset="0"/>
-                <a:cs typeface="Verdana Regular" charset="0"/>
-              </a:rPr>
-              <a:t> minim </a:t>
-            </a:r>
-            <a:r>
-              <a:rPr lang="en-US" dirty="0" err="1">
-                <a:latin typeface="Verdana Regular" charset="0"/>
-                <a:ea typeface="Verdana Regular" charset="0"/>
-                <a:cs typeface="Verdana Regular" charset="0"/>
-              </a:rPr>
-              <a:t>zzriure</a:t>
-            </a:r>
-            <a:r>
-              <a:rPr lang="en-US" dirty="0">
-                <a:latin typeface="Verdana Regular" charset="0"/>
-                <a:ea typeface="Verdana Regular" charset="0"/>
-                <a:cs typeface="Verdana Regular" charset="0"/>
-              </a:rPr>
-              <a:t> </a:t>
-            </a:r>
-            <a:r>
-              <a:rPr lang="en-US" dirty="0" err="1">
-                <a:latin typeface="Verdana Regular" charset="0"/>
-                <a:ea typeface="Verdana Regular" charset="0"/>
-                <a:cs typeface="Verdana Regular" charset="0"/>
-              </a:rPr>
-              <a:t>tio</a:t>
-            </a:r>
-            <a:r>
-              <a:rPr lang="en-US" dirty="0">
-                <a:latin typeface="Verdana Regular" charset="0"/>
-                <a:ea typeface="Verdana Regular" charset="0"/>
-                <a:cs typeface="Verdana Regular" charset="0"/>
-              </a:rPr>
-              <a:t> </a:t>
-            </a:r>
-            <a:r>
-              <a:rPr lang="en-US" dirty="0" err="1">
-                <a:latin typeface="Verdana Regular" charset="0"/>
-                <a:ea typeface="Verdana Regular" charset="0"/>
-                <a:cs typeface="Verdana Regular" charset="0"/>
-              </a:rPr>
-              <a:t>dolore</a:t>
-            </a:r>
-            <a:r>
-              <a:rPr lang="en-US" dirty="0">
-                <a:latin typeface="Verdana Regular" charset="0"/>
-                <a:ea typeface="Verdana Regular" charset="0"/>
-                <a:cs typeface="Verdana Regular" charset="0"/>
-              </a:rPr>
-              <a:t> </a:t>
-            </a:r>
-            <a:r>
-              <a:rPr lang="en-US" dirty="0" err="1">
-                <a:latin typeface="Verdana Regular" charset="0"/>
-                <a:ea typeface="Verdana Regular" charset="0"/>
-                <a:cs typeface="Verdana Regular" charset="0"/>
-              </a:rPr>
-              <a:t>tet</a:t>
-            </a:r>
-            <a:r>
-              <a:rPr lang="en-US" dirty="0">
-                <a:latin typeface="Verdana Regular" charset="0"/>
-                <a:ea typeface="Verdana Regular" charset="0"/>
-                <a:cs typeface="Verdana Regular" charset="0"/>
-              </a:rPr>
-              <a:t>, </a:t>
-            </a:r>
-            <a:r>
-              <a:rPr lang="en-US" dirty="0" err="1">
-                <a:latin typeface="Verdana Regular" charset="0"/>
-                <a:ea typeface="Verdana Regular" charset="0"/>
-                <a:cs typeface="Verdana Regular" charset="0"/>
-              </a:rPr>
-              <a:t>volobor</a:t>
-            </a:r>
-            <a:r>
-              <a:rPr lang="en-US" dirty="0">
-                <a:latin typeface="Verdana Regular" charset="0"/>
-                <a:ea typeface="Verdana Regular" charset="0"/>
-                <a:cs typeface="Verdana Regular" charset="0"/>
-              </a:rPr>
-              <a:t> </a:t>
-            </a:r>
-            <a:r>
-              <a:rPr lang="en-US" dirty="0" err="1">
-                <a:latin typeface="Verdana Regular" charset="0"/>
-                <a:ea typeface="Verdana Regular" charset="0"/>
-                <a:cs typeface="Verdana Regular" charset="0"/>
-              </a:rPr>
-              <a:t>si</a:t>
-            </a:r>
-            <a:r>
-              <a:rPr lang="en-US" dirty="0">
-                <a:latin typeface="Verdana Regular" charset="0"/>
-                <a:ea typeface="Verdana Regular" charset="0"/>
-                <a:cs typeface="Verdana Regular" charset="0"/>
-              </a:rPr>
-              <a:t>.</a:t>
+              <a:t>GCrawler adheres to the Robot Exclusion Protocol by reading a page’s robots.txt file and abiding by its rules. It also evaluates pages and links for other indicators that it should not crawl the page or follow the links.</a:t>
             </a:r>
           </a:p>
         </p:txBody>
@@ -3769,6 +2274,7 @@
           <a:prstGeom prst="rect">
             <a:avLst/>
           </a:prstGeom>
+          <a:noFill/>
         </p:spPr>
         <p:txBody>
           <a:bodyPr lIns="0" tIns="0" rIns="0" bIns="0"/>
@@ -3943,319 +2449,16 @@
                 <a:ea typeface="Georgia" charset="0"/>
                 <a:cs typeface="Georgia" charset="0"/>
               </a:rPr>
-              <a:t>Subhead: </a:t>
-            </a:r>
-            <a:r>
-              <a:rPr lang="en-US" sz="7200" dirty="0" err="1">
-                <a:latin typeface="Georgia" charset="0"/>
-                <a:ea typeface="Georgia" charset="0"/>
-                <a:cs typeface="Georgia" charset="0"/>
-              </a:rPr>
-              <a:t>Uditincil</a:t>
+              <a:t>The GCrawler project is a graphical web crawler which crawls a user-supplied website, following links on each page as it goes. It displays a color-coded graph of what pages were crawled and how it reached each page. Try it out here: </a:t>
             </a:r>
             <a:r>
               <a:rPr lang="en-US" sz="7200" dirty="0">
                 <a:latin typeface="Georgia" charset="0"/>
                 <a:ea typeface="Georgia" charset="0"/>
                 <a:cs typeface="Georgia" charset="0"/>
+                <a:hlinkClick r:id="rId6"/>
               </a:rPr>
-              <a:t> </a:t>
-            </a:r>
-            <a:r>
-              <a:rPr lang="en-US" sz="7200" dirty="0" err="1">
-                <a:latin typeface="Georgia" charset="0"/>
-                <a:ea typeface="Georgia" charset="0"/>
-                <a:cs typeface="Georgia" charset="0"/>
-              </a:rPr>
-              <a:t>endaeri</a:t>
-            </a:r>
-            <a:r>
-              <a:rPr lang="en-US" sz="7200" dirty="0">
-                <a:latin typeface="Georgia" charset="0"/>
-                <a:ea typeface="Georgia" charset="0"/>
-                <a:cs typeface="Georgia" charset="0"/>
-              </a:rPr>
-              <a:t> </a:t>
-            </a:r>
-            <a:r>
-              <a:rPr lang="en-US" sz="7200" dirty="0" err="1">
-                <a:latin typeface="Georgia" charset="0"/>
-                <a:ea typeface="Georgia" charset="0"/>
-                <a:cs typeface="Georgia" charset="0"/>
-              </a:rPr>
-              <a:t>sus</a:t>
-            </a:r>
-            <a:r>
-              <a:rPr lang="en-US" sz="7200" dirty="0">
-                <a:latin typeface="Georgia" charset="0"/>
-                <a:ea typeface="Georgia" charset="0"/>
-                <a:cs typeface="Georgia" charset="0"/>
-              </a:rPr>
-              <a:t> </a:t>
-            </a:r>
-            <a:r>
-              <a:rPr lang="en-US" sz="7200" dirty="0" err="1">
-                <a:latin typeface="Georgia" charset="0"/>
-                <a:ea typeface="Georgia" charset="0"/>
-                <a:cs typeface="Georgia" charset="0"/>
-              </a:rPr>
-              <a:t>sectur</a:t>
-            </a:r>
-            <a:r>
-              <a:rPr lang="en-US" sz="7200" dirty="0">
-                <a:latin typeface="Georgia" charset="0"/>
-                <a:ea typeface="Georgia" charset="0"/>
-                <a:cs typeface="Georgia" charset="0"/>
-              </a:rPr>
-              <a:t> </a:t>
-            </a:r>
-            <a:r>
-              <a:rPr lang="en-US" sz="7200" dirty="0" err="1">
-                <a:latin typeface="Georgia" charset="0"/>
-                <a:ea typeface="Georgia" charset="0"/>
-                <a:cs typeface="Georgia" charset="0"/>
-              </a:rPr>
-              <a:t>sam</a:t>
-            </a:r>
-            <a:r>
-              <a:rPr lang="en-US" sz="7200" dirty="0">
-                <a:latin typeface="Georgia" charset="0"/>
-                <a:ea typeface="Georgia" charset="0"/>
-                <a:cs typeface="Georgia" charset="0"/>
-              </a:rPr>
-              <a:t> </a:t>
-            </a:r>
-            <a:r>
-              <a:rPr lang="en-US" sz="7200" dirty="0" err="1">
-                <a:latin typeface="Georgia" charset="0"/>
-                <a:ea typeface="Georgia" charset="0"/>
-                <a:cs typeface="Georgia" charset="0"/>
-              </a:rPr>
-              <a:t>fuga</a:t>
-            </a:r>
-            <a:r>
-              <a:rPr lang="en-US" sz="7200" dirty="0">
-                <a:latin typeface="Georgia" charset="0"/>
-                <a:ea typeface="Georgia" charset="0"/>
-                <a:cs typeface="Georgia" charset="0"/>
-              </a:rPr>
-              <a:t> </a:t>
-            </a:r>
-            <a:r>
-              <a:rPr lang="en-US" sz="7200" dirty="0" err="1">
-                <a:latin typeface="Georgia" charset="0"/>
-                <a:ea typeface="Georgia" charset="0"/>
-                <a:cs typeface="Georgia" charset="0"/>
-              </a:rPr>
-              <a:t>nequo</a:t>
-            </a:r>
-            <a:r>
-              <a:rPr lang="en-US" sz="7200" dirty="0">
-                <a:latin typeface="Georgia" charset="0"/>
-                <a:ea typeface="Georgia" charset="0"/>
-                <a:cs typeface="Georgia" charset="0"/>
-              </a:rPr>
-              <a:t> que </a:t>
-            </a:r>
-            <a:r>
-              <a:rPr lang="en-US" sz="7200" dirty="0" err="1">
-                <a:latin typeface="Georgia" charset="0"/>
-                <a:ea typeface="Georgia" charset="0"/>
-                <a:cs typeface="Georgia" charset="0"/>
-              </a:rPr>
-              <a:t>consequi</a:t>
-            </a:r>
-            <a:r>
-              <a:rPr lang="en-US" sz="7200" dirty="0">
-                <a:latin typeface="Georgia" charset="0"/>
-                <a:ea typeface="Georgia" charset="0"/>
-                <a:cs typeface="Georgia" charset="0"/>
-              </a:rPr>
-              <a:t> </a:t>
-            </a:r>
-            <a:r>
-              <a:rPr lang="en-US" sz="7200" dirty="0" err="1">
-                <a:latin typeface="Georgia" charset="0"/>
-                <a:ea typeface="Georgia" charset="0"/>
-                <a:cs typeface="Georgia" charset="0"/>
-              </a:rPr>
-              <a:t>autendi</a:t>
-            </a:r>
-            <a:r>
-              <a:rPr lang="en-US" sz="7200" dirty="0">
-                <a:latin typeface="Georgia" charset="0"/>
-                <a:ea typeface="Georgia" charset="0"/>
-                <a:cs typeface="Georgia" charset="0"/>
-              </a:rPr>
-              <a:t> con </a:t>
-            </a:r>
-            <a:r>
-              <a:rPr lang="en-US" sz="7200" dirty="0" err="1">
-                <a:latin typeface="Georgia" charset="0"/>
-                <a:ea typeface="Georgia" charset="0"/>
-                <a:cs typeface="Georgia" charset="0"/>
-              </a:rPr>
-              <a:t>expelen</a:t>
-            </a:r>
-            <a:r>
-              <a:rPr lang="en-US" sz="7200" dirty="0">
-                <a:latin typeface="Georgia" charset="0"/>
-                <a:ea typeface="Georgia" charset="0"/>
-                <a:cs typeface="Georgia" charset="0"/>
-              </a:rPr>
-              <a:t> </a:t>
-            </a:r>
-            <a:r>
-              <a:rPr lang="en-US" sz="7200" dirty="0" err="1">
-                <a:latin typeface="Georgia" charset="0"/>
-                <a:ea typeface="Georgia" charset="0"/>
-                <a:cs typeface="Georgia" charset="0"/>
-              </a:rPr>
-              <a:t>ihicturibus</a:t>
-            </a:r>
-            <a:r>
-              <a:rPr lang="en-US" sz="7200" dirty="0">
-                <a:latin typeface="Georgia" charset="0"/>
-                <a:ea typeface="Georgia" charset="0"/>
-                <a:cs typeface="Georgia" charset="0"/>
-              </a:rPr>
-              <a:t> </a:t>
-            </a:r>
-            <a:r>
-              <a:rPr lang="en-US" sz="7200" dirty="0" err="1">
-                <a:latin typeface="Georgia" charset="0"/>
-                <a:ea typeface="Georgia" charset="0"/>
-                <a:cs typeface="Georgia" charset="0"/>
-              </a:rPr>
-              <a:t>dutat</a:t>
-            </a:r>
-            <a:r>
-              <a:rPr lang="en-US" sz="7200" dirty="0">
-                <a:latin typeface="Georgia" charset="0"/>
-                <a:ea typeface="Georgia" charset="0"/>
-                <a:cs typeface="Georgia" charset="0"/>
-              </a:rPr>
-              <a:t> </a:t>
-            </a:r>
-            <a:r>
-              <a:rPr lang="en-US" sz="7200" dirty="0" err="1">
-                <a:latin typeface="Georgia" charset="0"/>
-                <a:ea typeface="Georgia" charset="0"/>
-                <a:cs typeface="Georgia" charset="0"/>
-              </a:rPr>
-              <a:t>nulla</a:t>
-            </a:r>
-            <a:r>
-              <a:rPr lang="en-US" sz="7200" dirty="0">
-                <a:latin typeface="Georgia" charset="0"/>
-                <a:ea typeface="Georgia" charset="0"/>
-                <a:cs typeface="Georgia" charset="0"/>
-              </a:rPr>
-              <a:t> </a:t>
-            </a:r>
-            <a:r>
-              <a:rPr lang="en-US" sz="7200" dirty="0" err="1">
-                <a:latin typeface="Georgia" charset="0"/>
-                <a:ea typeface="Georgia" charset="0"/>
-                <a:cs typeface="Georgia" charset="0"/>
-              </a:rPr>
-              <a:t>amet</a:t>
-            </a:r>
-            <a:r>
-              <a:rPr lang="en-US" sz="7200" dirty="0">
-                <a:latin typeface="Georgia" charset="0"/>
-                <a:ea typeface="Georgia" charset="0"/>
-                <a:cs typeface="Georgia" charset="0"/>
-              </a:rPr>
-              <a:t> </a:t>
-            </a:r>
-            <a:r>
-              <a:rPr lang="en-US" sz="7200" dirty="0" err="1">
-                <a:latin typeface="Georgia" charset="0"/>
-                <a:ea typeface="Georgia" charset="0"/>
-                <a:cs typeface="Georgia" charset="0"/>
-              </a:rPr>
-              <a:t>duntio</a:t>
-            </a:r>
-            <a:r>
-              <a:rPr lang="en-US" sz="7200" dirty="0">
-                <a:latin typeface="Georgia" charset="0"/>
-                <a:ea typeface="Georgia" charset="0"/>
-                <a:cs typeface="Georgia" charset="0"/>
-              </a:rPr>
-              <a:t> </a:t>
-            </a:r>
-            <a:r>
-              <a:rPr lang="en-US" sz="7200" dirty="0" err="1">
-                <a:latin typeface="Georgia" charset="0"/>
-                <a:ea typeface="Georgia" charset="0"/>
-                <a:cs typeface="Georgia" charset="0"/>
-              </a:rPr>
-              <a:t>dest</a:t>
-            </a:r>
-            <a:r>
-              <a:rPr lang="en-US" sz="7200" dirty="0">
-                <a:latin typeface="Georgia" charset="0"/>
-                <a:ea typeface="Georgia" charset="0"/>
-                <a:cs typeface="Georgia" charset="0"/>
-              </a:rPr>
-              <a:t> </a:t>
-            </a:r>
-            <a:r>
-              <a:rPr lang="en-US" sz="7200" dirty="0" err="1">
-                <a:latin typeface="Georgia" charset="0"/>
-                <a:ea typeface="Georgia" charset="0"/>
-                <a:cs typeface="Georgia" charset="0"/>
-              </a:rPr>
-              <a:t>fuga</a:t>
-            </a:r>
-            <a:r>
-              <a:rPr lang="en-US" sz="7200" dirty="0">
-                <a:latin typeface="Georgia" charset="0"/>
-                <a:ea typeface="Georgia" charset="0"/>
-                <a:cs typeface="Georgia" charset="0"/>
-              </a:rPr>
-              <a:t> </a:t>
-            </a:r>
-            <a:r>
-              <a:rPr lang="en-US" sz="7200" dirty="0" err="1">
-                <a:latin typeface="Georgia" charset="0"/>
-                <a:ea typeface="Georgia" charset="0"/>
-                <a:cs typeface="Georgia" charset="0"/>
-              </a:rPr>
-              <a:t>nequo</a:t>
-            </a:r>
-            <a:r>
-              <a:rPr lang="en-US" sz="7200" dirty="0">
-                <a:latin typeface="Georgia" charset="0"/>
-                <a:ea typeface="Georgia" charset="0"/>
-                <a:cs typeface="Georgia" charset="0"/>
-              </a:rPr>
-              <a:t> que </a:t>
-            </a:r>
-            <a:r>
-              <a:rPr lang="en-US" sz="7200" dirty="0" err="1">
-                <a:latin typeface="Georgia" charset="0"/>
-                <a:ea typeface="Georgia" charset="0"/>
-                <a:cs typeface="Georgia" charset="0"/>
-              </a:rPr>
-              <a:t>consequi</a:t>
-            </a:r>
-            <a:r>
-              <a:rPr lang="en-US" sz="7200" dirty="0">
-                <a:latin typeface="Georgia" charset="0"/>
-                <a:ea typeface="Georgia" charset="0"/>
-                <a:cs typeface="Georgia" charset="0"/>
-              </a:rPr>
-              <a:t> </a:t>
-            </a:r>
-            <a:r>
-              <a:rPr lang="en-US" sz="7200" dirty="0" err="1">
-                <a:latin typeface="Georgia" charset="0"/>
-                <a:ea typeface="Georgia" charset="0"/>
-                <a:cs typeface="Georgia" charset="0"/>
-              </a:rPr>
-              <a:t>quibusam</a:t>
+              <a:t>GCrawler App</a:t>
             </a:r>
             <a:endParaRPr lang="en-US" sz="7200" dirty="0">
               <a:latin typeface="Georgia" charset="0"/>
@@ -4275,8 +2478,8 @@
         </p:nvSpPr>
         <p:spPr>
           <a:xfrm>
-            <a:off x="12292013" y="27593400"/>
-            <a:ext cx="9418320" cy="677108"/>
+            <a:off x="10759438" y="28226921"/>
+            <a:ext cx="10950893" cy="664797"/>
           </a:xfrm>
           <a:prstGeom prst="rect">
             <a:avLst/>
@@ -4460,7 +2663,7 @@
                 <a:ea typeface="Verdana Regular" charset="0"/>
                 <a:cs typeface="Verdana Regular" charset="0"/>
               </a:rPr>
-              <a:t>Title: </a:t>
+              <a:t>Connect with the </a:t>
             </a:r>
             <a:r>
               <a:rPr lang="en-US" dirty="0" err="1">
@@ -4471,7 +2674,7 @@
                 <a:ea typeface="Verdana Regular" charset="0"/>
                 <a:cs typeface="Verdana Regular" charset="0"/>
               </a:rPr>
-              <a:t>lorem</a:t>
+              <a:t>gcrawlers</a:t>
             </a:r>
             <a:r>
               <a:rPr lang="en-US" dirty="0">
@@ -4482,27 +2685,8 @@
                 <a:ea typeface="Verdana Regular" charset="0"/>
                 <a:cs typeface="Verdana Regular" charset="0"/>
               </a:rPr>
-              <a:t> </a:t>
+              <a:t>:</a:t>
             </a:r>
-            <a:r>
-              <a:rPr lang="en-US" dirty="0" err="1">
-                <a:solidFill>
-                  <a:srgbClr val="E05529"/>
-                </a:solidFill>
-                <a:latin typeface="Verdana Regular" charset="0"/>
-                <a:ea typeface="Verdana Regular" charset="0"/>
-                <a:cs typeface="Verdana Regular" charset="0"/>
-              </a:rPr>
-              <a:t>ipsum</a:t>
-            </a:r>
-            <a:endParaRPr lang="en-US" dirty="0">
-              <a:solidFill>
-                <a:srgbClr val="E05529"/>
-              </a:solidFill>
-              <a:latin typeface="Verdana Regular" charset="0"/>
-              <a:ea typeface="Verdana Regular" charset="0"/>
-              <a:cs typeface="Verdana Regular" charset="0"/>
-            </a:endParaRPr>
           </a:p>
         </p:txBody>
       </p:sp>
@@ -4516,8 +2700,8 @@
         </p:nvSpPr>
         <p:spPr>
           <a:xfrm>
-            <a:off x="12292013" y="28559321"/>
-            <a:ext cx="9418320" cy="2513509"/>
+            <a:off x="10759439" y="29037034"/>
+            <a:ext cx="10950893" cy="1956369"/>
           </a:xfrm>
           <a:prstGeom prst="rect">
             <a:avLst/>
@@ -4706,16 +2890,9 @@
                 <a:latin typeface="Verdana Regular" charset="0"/>
                 <a:ea typeface="Verdana Regular" charset="0"/>
                 <a:cs typeface="Verdana Regular" charset="0"/>
+                <a:hlinkClick r:id="rId7"/>
               </a:rPr>
-              <a:t>Body. </a:t>
-            </a:r>
-            <a:r>
-              <a:rPr lang="en-US" dirty="0" err="1">
-                <a:latin typeface="Verdana Regular" charset="0"/>
-                <a:ea typeface="Verdana Regular" charset="0"/>
-                <a:cs typeface="Verdana Regular" charset="0"/>
-              </a:rPr>
-              <a:t>Dutat</a:t>
+              <a:t>Christopher Beall</a:t>
             </a:r>
             <a:r>
               <a:rPr lang="en-US" dirty="0">
@@ -4723,287 +2900,13 @@
                 <a:ea typeface="Verdana Regular" charset="0"/>
                 <a:cs typeface="Verdana Regular" charset="0"/>
               </a:rPr>
-              <a:t> </a:t>
-            </a:r>
-            <a:r>
-              <a:rPr lang="en-US" dirty="0" err="1">
-                <a:latin typeface="Verdana Regular" charset="0"/>
-                <a:ea typeface="Verdana Regular" charset="0"/>
-                <a:cs typeface="Verdana Regular" charset="0"/>
-              </a:rPr>
-              <a:t>amet</a:t>
+              <a:t> (Data Transfer): </a:t>
             </a:r>
             <a:r>
               <a:rPr lang="en-US" dirty="0">
-                <a:latin typeface="Verdana Regular" charset="0"/>
-                <a:ea typeface="Verdana Regular" charset="0"/>
-                <a:cs typeface="Verdana Regular" charset="0"/>
+                <a:hlinkClick r:id="rId8"/>
               </a:rPr>
-              <a:t> </a:t>
-            </a:r>
-            <a:r>
-              <a:rPr lang="en-US" dirty="0" err="1">
-                <a:latin typeface="Verdana Regular" charset="0"/>
-                <a:ea typeface="Verdana Regular" charset="0"/>
-                <a:cs typeface="Verdana Regular" charset="0"/>
-              </a:rPr>
-              <a:t>dolorero</a:t>
-            </a:r>
-            <a:r>
-              <a:rPr lang="en-US" dirty="0">
-                <a:latin typeface="Verdana Regular" charset="0"/>
-                <a:ea typeface="Verdana Regular" charset="0"/>
-                <a:cs typeface="Verdana Regular" charset="0"/>
-              </a:rPr>
-              <a:t> </a:t>
-            </a:r>
-            <a:r>
-              <a:rPr lang="en-US" dirty="0" err="1">
-                <a:latin typeface="Verdana Regular" charset="0"/>
-                <a:ea typeface="Verdana Regular" charset="0"/>
-                <a:cs typeface="Verdana Regular" charset="0"/>
-              </a:rPr>
-              <a:t>commy</a:t>
-            </a:r>
-            <a:r>
-              <a:rPr lang="en-US" dirty="0">
-                <a:latin typeface="Verdana Regular" charset="0"/>
-                <a:ea typeface="Verdana Regular" charset="0"/>
-                <a:cs typeface="Verdana Regular" charset="0"/>
-              </a:rPr>
-              <a:t> </a:t>
-            </a:r>
-            <a:r>
-              <a:rPr lang="en-US" dirty="0" err="1">
-                <a:latin typeface="Verdana Regular" charset="0"/>
-                <a:ea typeface="Verdana Regular" charset="0"/>
-                <a:cs typeface="Verdana Regular" charset="0"/>
-              </a:rPr>
-              <a:t>nulla</a:t>
-            </a:r>
-            <a:r>
-              <a:rPr lang="en-US" dirty="0">
-                <a:latin typeface="Verdana Regular" charset="0"/>
-                <a:ea typeface="Verdana Regular" charset="0"/>
-                <a:cs typeface="Verdana Regular" charset="0"/>
-              </a:rPr>
-              <a:t> </a:t>
-            </a:r>
-            <a:r>
-              <a:rPr lang="en-US" dirty="0" err="1">
-                <a:latin typeface="Verdana Regular" charset="0"/>
-                <a:ea typeface="Verdana Regular" charset="0"/>
-                <a:cs typeface="Verdana Regular" charset="0"/>
-              </a:rPr>
-              <a:t>feugait</a:t>
-            </a:r>
-            <a:r>
-              <a:rPr lang="en-US" dirty="0">
-                <a:latin typeface="Verdana Regular" charset="0"/>
-                <a:ea typeface="Verdana Regular" charset="0"/>
-                <a:cs typeface="Verdana Regular" charset="0"/>
-              </a:rPr>
-              <a:t>, sit </a:t>
-            </a:r>
-            <a:r>
-              <a:rPr lang="en-US" dirty="0" err="1">
-                <a:latin typeface="Verdana Regular" charset="0"/>
-                <a:ea typeface="Verdana Regular" charset="0"/>
-                <a:cs typeface="Verdana Regular" charset="0"/>
-              </a:rPr>
-              <a:t>alisci</a:t>
-            </a:r>
-            <a:r>
-              <a:rPr lang="en-US" dirty="0">
-                <a:latin typeface="Verdana Regular" charset="0"/>
-                <a:ea typeface="Verdana Regular" charset="0"/>
-                <a:cs typeface="Verdana Regular" charset="0"/>
-              </a:rPr>
-              <a:t> </a:t>
-            </a:r>
-            <a:r>
-              <a:rPr lang="en-US" dirty="0" err="1">
-                <a:latin typeface="Verdana Regular" charset="0"/>
-                <a:ea typeface="Verdana Regular" charset="0"/>
-                <a:cs typeface="Verdana Regular" charset="0"/>
-              </a:rPr>
-              <a:t>bla</a:t>
-            </a:r>
-            <a:r>
-              <a:rPr lang="en-US" dirty="0">
-                <a:latin typeface="Verdana Regular" charset="0"/>
-                <a:ea typeface="Verdana Regular" charset="0"/>
-                <a:cs typeface="Verdana Regular" charset="0"/>
-              </a:rPr>
-              <a:t> core </a:t>
-            </a:r>
-            <a:r>
-              <a:rPr lang="en-US" dirty="0" err="1">
-                <a:latin typeface="Verdana Regular" charset="0"/>
-                <a:ea typeface="Verdana Regular" charset="0"/>
-                <a:cs typeface="Verdana Regular" charset="0"/>
-              </a:rPr>
-              <a:t>facil</a:t>
-            </a:r>
-            <a:r>
-              <a:rPr lang="en-US" dirty="0">
-                <a:latin typeface="Verdana Regular" charset="0"/>
-                <a:ea typeface="Verdana Regular" charset="0"/>
-                <a:cs typeface="Verdana Regular" charset="0"/>
-              </a:rPr>
-              <a:t> </a:t>
-            </a:r>
-            <a:r>
-              <a:rPr lang="en-US" dirty="0" err="1">
-                <a:latin typeface="Verdana Regular" charset="0"/>
-                <a:ea typeface="Verdana Regular" charset="0"/>
-                <a:cs typeface="Verdana Regular" charset="0"/>
-              </a:rPr>
-              <a:t>irit</a:t>
-            </a:r>
-            <a:r>
-              <a:rPr lang="en-US" dirty="0">
-                <a:latin typeface="Verdana Regular" charset="0"/>
-                <a:ea typeface="Verdana Regular" charset="0"/>
-                <a:cs typeface="Verdana Regular" charset="0"/>
-              </a:rPr>
-              <a:t> dip et </a:t>
-            </a:r>
-            <a:r>
-              <a:rPr lang="en-US" dirty="0" err="1">
-                <a:latin typeface="Verdana Regular" charset="0"/>
-                <a:ea typeface="Verdana Regular" charset="0"/>
-                <a:cs typeface="Verdana Regular" charset="0"/>
-              </a:rPr>
-              <a:t>wis</a:t>
-            </a:r>
-            <a:r>
-              <a:rPr lang="en-US" dirty="0">
-                <a:latin typeface="Verdana Regular" charset="0"/>
-                <a:ea typeface="Verdana Regular" charset="0"/>
-                <a:cs typeface="Verdana Regular" charset="0"/>
-              </a:rPr>
-              <a:t> </a:t>
-            </a:r>
-            <a:r>
-              <a:rPr lang="en-US" dirty="0" err="1">
-                <a:latin typeface="Verdana Regular" charset="0"/>
-                <a:ea typeface="Verdana Regular" charset="0"/>
-                <a:cs typeface="Verdana Regular" charset="0"/>
-              </a:rPr>
-              <a:t>nim</a:t>
-            </a:r>
-            <a:r>
-              <a:rPr lang="en-US" dirty="0">
-                <a:latin typeface="Verdana Regular" charset="0"/>
-                <a:ea typeface="Verdana Regular" charset="0"/>
-                <a:cs typeface="Verdana Regular" charset="0"/>
-              </a:rPr>
-              <a:t> </a:t>
-            </a:r>
-            <a:r>
-              <a:rPr lang="en-US" dirty="0" err="1">
-                <a:latin typeface="Verdana Regular" charset="0"/>
-                <a:ea typeface="Verdana Regular" charset="0"/>
-                <a:cs typeface="Verdana Regular" charset="0"/>
-              </a:rPr>
-              <a:t>nostincin</a:t>
-            </a:r>
-            <a:r>
-              <a:rPr lang="en-US" dirty="0">
-                <a:latin typeface="Verdana Regular" charset="0"/>
-                <a:ea typeface="Verdana Regular" charset="0"/>
-                <a:cs typeface="Verdana Regular" charset="0"/>
-              </a:rPr>
-              <a:t> </a:t>
-            </a:r>
-            <a:r>
-              <a:rPr lang="en-US" dirty="0" err="1">
-                <a:latin typeface="Verdana Regular" charset="0"/>
-                <a:ea typeface="Verdana Regular" charset="0"/>
-                <a:cs typeface="Verdana Regular" charset="0"/>
-              </a:rPr>
-              <a:t>henim</a:t>
-            </a:r>
-            <a:r>
-              <a:rPr lang="en-US" dirty="0">
-                <a:latin typeface="Verdana Regular" charset="0"/>
-                <a:ea typeface="Verdana Regular" charset="0"/>
-                <a:cs typeface="Verdana Regular" charset="0"/>
-              </a:rPr>
-              <a:t> </a:t>
-            </a:r>
-            <a:r>
-              <a:rPr lang="en-US" dirty="0" err="1">
-                <a:latin typeface="Verdana Regular" charset="0"/>
-                <a:ea typeface="Verdana Regular" charset="0"/>
-                <a:cs typeface="Verdana Regular" charset="0"/>
-              </a:rPr>
-              <a:t>quamconsed</a:t>
-            </a:r>
-            <a:r>
-              <a:rPr lang="en-US" dirty="0">
-                <a:latin typeface="Verdana Regular" charset="0"/>
-                <a:ea typeface="Verdana Regular" charset="0"/>
-                <a:cs typeface="Verdana Regular" charset="0"/>
-              </a:rPr>
-              <a:t> tat </a:t>
-            </a:r>
-            <a:r>
-              <a:rPr lang="en-US" dirty="0" err="1">
-                <a:latin typeface="Verdana Regular" charset="0"/>
-                <a:ea typeface="Verdana Regular" charset="0"/>
-                <a:cs typeface="Verdana Regular" charset="0"/>
-              </a:rPr>
-              <a:t>veliscin</a:t>
-            </a:r>
-            <a:r>
-              <a:rPr lang="en-US" dirty="0">
-                <a:latin typeface="Verdana Regular" charset="0"/>
-                <a:ea typeface="Verdana Regular" charset="0"/>
-                <a:cs typeface="Verdana Regular" charset="0"/>
-              </a:rPr>
-              <a:t> </a:t>
-            </a:r>
-            <a:r>
-              <a:rPr lang="en-US" dirty="0" err="1">
-                <a:latin typeface="Verdana Regular" charset="0"/>
-                <a:ea typeface="Verdana Regular" charset="0"/>
-                <a:cs typeface="Verdana Regular" charset="0"/>
-              </a:rPr>
-              <a:t>ulputem</a:t>
-            </a:r>
-            <a:r>
-              <a:rPr lang="en-US" dirty="0">
-                <a:latin typeface="Verdana Regular" charset="0"/>
-                <a:ea typeface="Verdana Regular" charset="0"/>
-                <a:cs typeface="Verdana Regular" charset="0"/>
-              </a:rPr>
-              <a:t> </a:t>
-            </a:r>
-            <a:r>
-              <a:rPr lang="en-US" dirty="0" err="1">
-                <a:latin typeface="Verdana Regular" charset="0"/>
-                <a:ea typeface="Verdana Regular" charset="0"/>
-                <a:cs typeface="Verdana Regular" charset="0"/>
-              </a:rPr>
-              <a:t>vel</a:t>
-            </a:r>
-            <a:r>
-              <a:rPr lang="en-US" dirty="0">
-                <a:latin typeface="Verdana Regular" charset="0"/>
-                <a:ea typeface="Verdana Regular" charset="0"/>
-                <a:cs typeface="Verdana Regular" charset="0"/>
-              </a:rPr>
-              <a:t> </a:t>
-            </a:r>
-            <a:r>
-              <a:rPr lang="en-US" dirty="0" err="1">
-                <a:latin typeface="Verdana Regular" charset="0"/>
-                <a:ea typeface="Verdana Regular" charset="0"/>
-                <a:cs typeface="Verdana Regular" charset="0"/>
-              </a:rPr>
-              <a:t>ut.</a:t>
+              <a:t>https://github.com/beallch</a:t>
             </a:r>
             <a:endParaRPr lang="en-US" dirty="0">
               <a:latin typeface="Verdana Regular" charset="0"/>
@@ -5018,12 +2921,13 @@
               </a:spcAft>
             </a:pPr>
             <a:r>
-              <a:rPr lang="en-US" dirty="0" err="1">
+              <a:rPr lang="en-US" dirty="0">
                 <a:latin typeface="Verdana Regular" charset="0"/>
                 <a:ea typeface="Verdana Regular" charset="0"/>
                 <a:cs typeface="Verdana Regular" charset="0"/>
+                <a:hlinkClick r:id="rId9"/>
               </a:rPr>
-              <a:t>Ovit</a:t>
+              <a:t>Helen Jiang</a:t>
             </a:r>
             <a:r>
               <a:rPr lang="en-US" dirty="0">
@@ -5031,15 +2935,34 @@
                 <a:ea typeface="Verdana Regular" charset="0"/>
                 <a:cs typeface="Verdana Regular" charset="0"/>
               </a:rPr>
-              <a:t> </a:t>
+              <a:t> (UI/Website): </a:t>
             </a:r>
             <a:r>
-              <a:rPr lang="en-US" dirty="0" err="1">
+              <a:rPr lang="en-US" dirty="0">
+                <a:hlinkClick r:id="rId10"/>
+              </a:rPr>
+              <a:t>https://github.com/hyjiang7</a:t>
+            </a:r>
+            <a:endParaRPr lang="en-US" dirty="0">
+              <a:latin typeface="Verdana Regular" charset="0"/>
+              <a:ea typeface="Verdana Regular" charset="0"/>
+              <a:cs typeface="Verdana Regular" charset="0"/>
+            </a:endParaRPr>
+          </a:p>
+          <a:p>
+            <a:pPr>
+              <a:spcAft>
+                <a:spcPts val="2600"/>
+              </a:spcAft>
+            </a:pPr>
+            <a:r>
+              <a:rPr lang="en-US" dirty="0">
                 <a:latin typeface="Verdana Regular" charset="0"/>
                 <a:ea typeface="Verdana Regular" charset="0"/>
                 <a:cs typeface="Verdana Regular" charset="0"/>
+                <a:hlinkClick r:id="rId11"/>
               </a:rPr>
-              <a:t>eum</a:t>
+              <a:t>Brian Metzger</a:t>
             </a:r>
             <a:r>
               <a:rPr lang="en-US" dirty="0">
@@ -5047,136 +2970,19 @@
                 <a:ea typeface="Verdana Regular" charset="0"/>
                 <a:cs typeface="Verdana Regular" charset="0"/>
               </a:rPr>
-              <a:t> </a:t>
-            </a:r>
-            <a:r>
-              <a:rPr lang="en-US" dirty="0" err="1">
-                <a:latin typeface="Verdana Regular" charset="0"/>
-                <a:ea typeface="Verdana Regular" charset="0"/>
-                <a:cs typeface="Verdana Regular" charset="0"/>
-              </a:rPr>
-              <a:t>facernatiunt</a:t>
+              <a:t> (Crawler): </a:t>
             </a:r>
             <a:r>
               <a:rPr lang="en-US" dirty="0">
-                <a:latin typeface="Verdana Regular" charset="0"/>
-                <a:ea typeface="Verdana Regular" charset="0"/>
-                <a:cs typeface="Verdana Regular" charset="0"/>
+                <a:hlinkClick r:id="rId12"/>
               </a:rPr>
-              <a:t> </a:t>
+              <a:t>https://github.com/metzgerb</a:t>
             </a:r>
-            <a:r>
-              <a:rPr lang="en-US" dirty="0" err="1">
-                <a:latin typeface="Verdana Regular" charset="0"/>
-                <a:ea typeface="Verdana Regular" charset="0"/>
-                <a:cs typeface="Verdana Regular" charset="0"/>
-              </a:rPr>
-              <a:t>harum</a:t>
-            </a:r>
-            <a:r>
-              <a:rPr lang="en-US" dirty="0">
-                <a:latin typeface="Verdana Regular" charset="0"/>
-                <a:ea typeface="Verdana Regular" charset="0"/>
-                <a:cs typeface="Verdana Regular" charset="0"/>
-              </a:rPr>
-              <a:t> as </a:t>
-            </a:r>
-            <a:r>
-              <a:rPr lang="en-US" dirty="0" err="1">
-                <a:latin typeface="Verdana Regular" charset="0"/>
-                <a:ea typeface="Verdana Regular" charset="0"/>
-                <a:cs typeface="Verdana Regular" charset="0"/>
-              </a:rPr>
-              <a:t>voloremquis</a:t>
-            </a:r>
-            <a:r>
-              <a:rPr lang="en-US" dirty="0">
-                <a:latin typeface="Verdana Regular" charset="0"/>
-                <a:ea typeface="Verdana Regular" charset="0"/>
-                <a:cs typeface="Verdana Regular" charset="0"/>
-              </a:rPr>
-              <a:t> </a:t>
-            </a:r>
-            <a:r>
-              <a:rPr lang="en-US" dirty="0" err="1">
-                <a:latin typeface="Verdana Regular" charset="0"/>
-                <a:ea typeface="Verdana Regular" charset="0"/>
-                <a:cs typeface="Verdana Regular" charset="0"/>
-              </a:rPr>
-              <a:t>ea</a:t>
-            </a:r>
-            <a:r>
-              <a:rPr lang="en-US" dirty="0">
-                <a:latin typeface="Verdana Regular" charset="0"/>
-                <a:ea typeface="Verdana Regular" charset="0"/>
-                <a:cs typeface="Verdana Regular" charset="0"/>
-              </a:rPr>
-              <a:t> </a:t>
-            </a:r>
-            <a:r>
-              <a:rPr lang="en-US" dirty="0" err="1">
-                <a:latin typeface="Verdana Regular" charset="0"/>
-                <a:ea typeface="Verdana Regular" charset="0"/>
-                <a:cs typeface="Verdana Regular" charset="0"/>
-              </a:rPr>
-              <a:t>si</a:t>
-            </a:r>
-            <a:r>
-              <a:rPr lang="en-US" dirty="0">
-                <a:latin typeface="Verdana Regular" charset="0"/>
-                <a:ea typeface="Verdana Regular" charset="0"/>
-                <a:cs typeface="Verdana Regular" charset="0"/>
-              </a:rPr>
-              <a:t> des alit, ant </a:t>
-            </a:r>
-            <a:r>
-              <a:rPr lang="en-US" dirty="0" err="1">
-                <a:latin typeface="Verdana Regular" charset="0"/>
-                <a:ea typeface="Verdana Regular" charset="0"/>
-                <a:cs typeface="Verdana Regular" charset="0"/>
-              </a:rPr>
-              <a:t>repuda</a:t>
-            </a:r>
-            <a:r>
-              <a:rPr lang="en-US" dirty="0">
-                <a:latin typeface="Verdana Regular" charset="0"/>
-                <a:ea typeface="Verdana Regular" charset="0"/>
-                <a:cs typeface="Verdana Regular" charset="0"/>
-              </a:rPr>
-              <a:t> </a:t>
-            </a:r>
-            <a:r>
-              <a:rPr lang="en-US" dirty="0" err="1">
-                <a:latin typeface="Verdana Regular" charset="0"/>
-                <a:ea typeface="Verdana Regular" charset="0"/>
-                <a:cs typeface="Verdana Regular" charset="0"/>
-              </a:rPr>
-              <a:t>maionserum</a:t>
-            </a:r>
-            <a:r>
-              <a:rPr lang="en-US" dirty="0">
-                <a:latin typeface="Verdana Regular" charset="0"/>
-                <a:ea typeface="Verdana Regular" charset="0"/>
-                <a:cs typeface="Verdana Regular" charset="0"/>
-              </a:rPr>
-              <a:t> </a:t>
-            </a:r>
-            <a:r>
-              <a:rPr lang="en-US" dirty="0" err="1">
-                <a:latin typeface="Verdana Regular" charset="0"/>
-                <a:ea typeface="Verdana Regular" charset="0"/>
-                <a:cs typeface="Verdana Regular" charset="0"/>
-              </a:rPr>
-              <a:t>vendaest</a:t>
-            </a:r>
-            <a:r>
-              <a:rPr lang="en-US" dirty="0">
-                <a:latin typeface="Verdana Regular" charset="0"/>
-                <a:ea typeface="Verdana Regular" charset="0"/>
-                <a:cs typeface="Verdana Regular" charset="0"/>
-              </a:rPr>
-              <a:t>.</a:t>
-            </a:r>
+            <a:endParaRPr lang="en-US" dirty="0">
+              <a:latin typeface="Verdana Regular" charset="0"/>
+              <a:ea typeface="Verdana Regular" charset="0"/>
+              <a:cs typeface="Verdana Regular" charset="0"/>
+            </a:endParaRPr>
           </a:p>
         </p:txBody>
       </p:sp>
@@ -5230,49 +3036,8 @@
                 <a:ea typeface="Impact" charset="0"/>
                 <a:cs typeface="Impact" charset="0"/>
               </a:rPr>
-              <a:t>Headline: </a:t>
+              <a:t>Gcrawler: Graphical web crawler</a:t>
             </a:r>
-            <a:r>
-              <a:rPr lang="en-US" spc="100" dirty="0" err="1">
-                <a:solidFill>
-                  <a:srgbClr val="E05529"/>
-                </a:solidFill>
-                <a:latin typeface="Impact" charset="0"/>
-                <a:ea typeface="Impact" charset="0"/>
-                <a:cs typeface="Impact" charset="0"/>
-              </a:rPr>
-              <a:t>lorem</a:t>
-            </a:r>
-            <a:r>
-              <a:rPr lang="en-US" spc="100" dirty="0">
-                <a:solidFill>
-                  <a:srgbClr val="E05529"/>
-                </a:solidFill>
-                <a:latin typeface="Impact" charset="0"/>
-                <a:ea typeface="Impact" charset="0"/>
-                <a:cs typeface="Impact" charset="0"/>
-              </a:rPr>
-              <a:t> </a:t>
-            </a:r>
-            <a:r>
-              <a:rPr lang="en-US" spc="100" dirty="0" err="1">
-                <a:solidFill>
-                  <a:srgbClr val="E05529"/>
-                </a:solidFill>
-                <a:latin typeface="Impact" charset="0"/>
-                <a:ea typeface="Impact" charset="0"/>
-                <a:cs typeface="Impact" charset="0"/>
-              </a:rPr>
-              <a:t>ipsum</a:t>
-            </a:r>
-            <a:endParaRPr lang="en-US" spc="100" dirty="0">
-              <a:solidFill>
-                <a:srgbClr val="E05529"/>
-              </a:solidFill>
-              <a:latin typeface="Impact" charset="0"/>
-              <a:ea typeface="Impact" charset="0"/>
-              <a:cs typeface="Impact" charset="0"/>
-            </a:endParaRPr>
           </a:p>
         </p:txBody>
       </p:sp>

--- a/Documentation/Poster.pptx
+++ b/Documentation/Poster.pptx
@@ -240,7 +240,7 @@
               <a:rPr lang="en-US" smtClean="0">
                 <a:latin typeface="Verdana Regular" charset="0"/>
               </a:rPr>
-              <a:t>12/2/2019</a:t>
+              <a:t>12/3/2019</a:t>
             </a:fld>
             <a:endParaRPr lang="en-US" dirty="0">
               <a:latin typeface="Verdana Regular" charset="0"/>
@@ -418,7 +418,7 @@
             <a:fld id="{9CF59EBC-EC05-6B4D-B166-DDFA6A1EDCB6}" type="datetimeFigureOut">
               <a:rPr lang="en-US" smtClean="0"/>
               <a:pPr/>
-              <a:t>12/2/2019</a:t>
+              <a:t>12/3/2019</a:t>
             </a:fld>
             <a:endParaRPr lang="en-US" dirty="0"/>
           </a:p>
@@ -1618,7 +1618,7 @@
       </p:grpSpPr>
       <p:pic>
         <p:nvPicPr>
-          <p:cNvPr id="18" name="Picture Placeholder 17">
+          <p:cNvPr id="18" name="Picture Placeholder 17" descr="GCrawler Data Flow and Code Samples">
             <a:extLst>
               <a:ext uri="{FF2B5EF4-FFF2-40B4-BE49-F238E27FC236}">
                 <a16:creationId xmlns:a16="http://schemas.microsoft.com/office/drawing/2014/main" id="{2B94CB35-FE0B-4AAF-9787-90E832039432}"/>
@@ -1639,14 +1639,14 @@
         </p:blipFill>
         <p:spPr>
           <a:xfrm>
-            <a:off x="2983971" y="8918575"/>
-            <a:ext cx="17277821" cy="18495963"/>
+            <a:off x="1931988" y="8919140"/>
+            <a:ext cx="19778343" cy="16103550"/>
           </a:xfrm>
         </p:spPr>
       </p:pic>
       <p:pic>
         <p:nvPicPr>
-          <p:cNvPr id="16" name="Picture Placeholder 15" descr="A screenshot of a cell phone&#10;&#10;Description automatically generated">
+          <p:cNvPr id="16" name="Picture Placeholder 15" descr="GCrawler Search Form">
             <a:extLst>
               <a:ext uri="{FF2B5EF4-FFF2-40B4-BE49-F238E27FC236}">
                 <a16:creationId xmlns:a16="http://schemas.microsoft.com/office/drawing/2014/main" id="{30067219-4AFF-4739-87BE-BC1ABA610624}"/>
@@ -1676,7 +1676,7 @@
       </p:pic>
       <p:pic>
         <p:nvPicPr>
-          <p:cNvPr id="14" name="Picture Placeholder 13" descr="A close up of a necklace&#10;&#10;Description automatically generated">
+          <p:cNvPr id="14" name="Picture Placeholder 13">
             <a:extLst>
               <a:ext uri="{FF2B5EF4-FFF2-40B4-BE49-F238E27FC236}">
                 <a16:creationId xmlns:a16="http://schemas.microsoft.com/office/drawing/2014/main" id="{E9D1BA2C-0A7B-4E24-B3F7-63B381600750}"/>
@@ -1692,12 +1692,15 @@
         </p:nvPicPr>
         <p:blipFill>
           <a:blip r:embed="rId5"/>
-          <a:srcRect t="1972" b="1972"/>
-          <a:stretch>
-            <a:fillRect/>
-          </a:stretch>
+          <a:srcRect/>
+          <a:stretch/>
         </p:blipFill>
-        <p:spPr/>
+        <p:spPr>
+          <a:xfrm>
+            <a:off x="22429930" y="9401344"/>
+            <a:ext cx="19381645" cy="9054556"/>
+          </a:xfrm>
+        </p:spPr>
       </p:pic>
       <p:sp>
         <p:nvSpPr>
@@ -2269,7 +2272,7 @@
         <p:spPr>
           <a:xfrm>
             <a:off x="1931989" y="5503233"/>
-            <a:ext cx="38953999" cy="3800745"/>
+            <a:ext cx="39879586" cy="3800745"/>
           </a:xfrm>
           <a:prstGeom prst="rect">
             <a:avLst/>
@@ -2449,7 +2452,7 @@
                 <a:ea typeface="Georgia" charset="0"/>
                 <a:cs typeface="Georgia" charset="0"/>
               </a:rPr>
-              <a:t>The GCrawler project is a graphical web crawler which crawls a user-supplied website, following links on each page as it goes. It displays a color-coded graph of what pages were crawled and how it reached each page. Try it out here: </a:t>
+              <a:t>The GCrawler project is a graphical web crawler which crawls a user-supplied website, following links on each page as it goes. It displays a color-coded graph of what pages were crawled and how it reached each page. Try it: </a:t>
             </a:r>
             <a:r>
               <a:rPr lang="en-US" sz="7200" dirty="0">
@@ -2458,7 +2461,7 @@
                 <a:cs typeface="Georgia" charset="0"/>
                 <a:hlinkClick r:id="rId6"/>
               </a:rPr>
-              <a:t>GCrawler App</a:t>
+              <a:t>https://gcrawler-test.herokuapp.com/search</a:t>
             </a:r>
             <a:endParaRPr lang="en-US" sz="7200" dirty="0">
               <a:latin typeface="Georgia" charset="0"/>
@@ -3038,6 +3041,59 @@
               </a:rPr>
               <a:t>Gcrawler: Graphical web crawler</a:t>
             </a:r>
+          </a:p>
+        </p:txBody>
+      </p:sp>
+      <p:sp>
+        <p:nvSpPr>
+          <p:cNvPr id="2" name="TextBox 1">
+            <a:extLst>
+              <a:ext uri="{FF2B5EF4-FFF2-40B4-BE49-F238E27FC236}">
+                <a16:creationId xmlns:a16="http://schemas.microsoft.com/office/drawing/2014/main" id="{880379BF-3B0C-4778-BA54-25154BD9FE07}"/>
+              </a:ext>
+            </a:extLst>
+          </p:cNvPr>
+          <p:cNvSpPr txBox="1"/>
+          <p:nvPr/>
+        </p:nvSpPr>
+        <p:spPr>
+          <a:xfrm>
+            <a:off x="1931988" y="25275328"/>
+            <a:ext cx="19778344" cy="2308324"/>
+          </a:xfrm>
+          <a:prstGeom prst="rect">
+            <a:avLst/>
+          </a:prstGeom>
+          <a:noFill/>
+        </p:spPr>
+        <p:txBody>
+          <a:bodyPr wrap="square" rtlCol="0">
+            <a:spAutoFit/>
+          </a:bodyPr>
+          <a:lstStyle/>
+          <a:p>
+            <a:r>
+              <a:rPr lang="en-US" sz="7200" dirty="0" err="1">
+                <a:latin typeface="Georgia" panose="02040502050405020303" pitchFamily="18" charset="0"/>
+              </a:rPr>
+              <a:t>GCrawler</a:t>
+            </a:r>
+            <a:r>
+              <a:rPr lang="en-US" sz="7200" dirty="0">
+                <a:latin typeface="Georgia" panose="02040502050405020303" pitchFamily="18" charset="0"/>
+              </a:rPr>
+              <a:t> Code Repository: </a:t>
+            </a:r>
+            <a:r>
+              <a:rPr lang="en-US" sz="7200" dirty="0">
+                <a:latin typeface="Georgia" panose="02040502050405020303" pitchFamily="18" charset="0"/>
+                <a:hlinkClick r:id="rId13"/>
+              </a:rPr>
+              <a:t>https://github.com/metzgerb/cs467-project</a:t>
+            </a:r>
+            <a:endParaRPr lang="en-US" sz="7200" dirty="0">
+              <a:latin typeface="Georgia" panose="02040502050405020303" pitchFamily="18" charset="0"/>
+            </a:endParaRPr>
           </a:p>
         </p:txBody>
       </p:sp>
